--- a/Estrogen as an immunomodulator for multiple sclerosis.pptx
+++ b/Estrogen as an immunomodulator for multiple sclerosis.pptx
@@ -9,28 +9,15 @@
     <p:sldId id="257" r:id="rId3"/>
     <p:sldId id="258" r:id="rId4"/>
     <p:sldId id="259" r:id="rId5"/>
-    <p:sldId id="281" r:id="rId6"/>
-    <p:sldId id="267" r:id="rId7"/>
-    <p:sldId id="262" r:id="rId8"/>
-    <p:sldId id="268" r:id="rId9"/>
-    <p:sldId id="260" r:id="rId10"/>
-    <p:sldId id="265" r:id="rId11"/>
-    <p:sldId id="266" r:id="rId12"/>
-    <p:sldId id="263" r:id="rId13"/>
-    <p:sldId id="261" r:id="rId14"/>
-    <p:sldId id="264" r:id="rId15"/>
-    <p:sldId id="270" r:id="rId16"/>
-    <p:sldId id="269" r:id="rId17"/>
-    <p:sldId id="271" r:id="rId18"/>
-    <p:sldId id="272" r:id="rId19"/>
-    <p:sldId id="273" r:id="rId20"/>
-    <p:sldId id="275" r:id="rId21"/>
-    <p:sldId id="274" r:id="rId22"/>
-    <p:sldId id="277" r:id="rId23"/>
-    <p:sldId id="276" r:id="rId24"/>
-    <p:sldId id="278" r:id="rId25"/>
-    <p:sldId id="279" r:id="rId26"/>
-    <p:sldId id="280" r:id="rId27"/>
+    <p:sldId id="267" r:id="rId6"/>
+    <p:sldId id="262" r:id="rId7"/>
+    <p:sldId id="268" r:id="rId8"/>
+    <p:sldId id="260" r:id="rId9"/>
+    <p:sldId id="265" r:id="rId10"/>
+    <p:sldId id="266" r:id="rId11"/>
+    <p:sldId id="261" r:id="rId12"/>
+    <p:sldId id="264" r:id="rId13"/>
+    <p:sldId id="269" r:id="rId14"/>
   </p:sldIdLst>
   <p:sldSz cx="12192000" cy="6858000"/>
   <p:notesSz cx="6858000" cy="9144000"/>
@@ -3028,7 +3015,7 @@
               <a:t> and its role in </a:t>
             </a:r>
             <a:r>
-              <a:rPr lang="en-US" altLang="zh-TW" smtClean="0"/>
+              <a:rPr lang="en-US" altLang="zh-TW" dirty="0" smtClean="0"/>
               <a:t>multiple sclerosis prevention</a:t>
             </a:r>
             <a:r>
@@ -3068,8 +3055,55 @@
             </a:r>
             <a:r>
               <a:rPr lang="en-US" altLang="zh-TW" dirty="0" smtClean="0"/>
-              <a:t>-Ying (Bruce) Chen</a:t>
-            </a:r>
+              <a:t>-Ying (Bruce) </a:t>
+            </a:r>
+            <a:r>
+              <a:rPr lang="en-US" altLang="zh-TW" dirty="0" smtClean="0"/>
+              <a:t>Chen</a:t>
+            </a:r>
+          </a:p>
+          <a:p>
+            <a:r>
+              <a:rPr lang="en-US" altLang="zh-TW" dirty="0" err="1" smtClean="0"/>
+              <a:t>Praneet</a:t>
+            </a:r>
+            <a:r>
+              <a:rPr lang="en-US" altLang="zh-TW" dirty="0"/>
+              <a:t> </a:t>
+            </a:r>
+            <a:r>
+              <a:rPr lang="en-US" altLang="zh-TW" dirty="0" err="1" smtClean="0"/>
+              <a:t>Gandhoke</a:t>
+            </a:r>
+            <a:r>
+              <a:rPr lang="en-US" altLang="zh-TW" dirty="0"/>
+              <a:t>, </a:t>
+            </a:r>
+            <a:r>
+              <a:rPr lang="en-US" altLang="zh-TW" dirty="0" err="1" smtClean="0"/>
+              <a:t>Nachiket</a:t>
+            </a:r>
+            <a:r>
+              <a:rPr lang="en-US" altLang="zh-TW" dirty="0"/>
+              <a:t> </a:t>
+            </a:r>
+            <a:r>
+              <a:rPr lang="en-US" altLang="zh-TW" dirty="0" err="1" smtClean="0"/>
+              <a:t>Nijampurkar</a:t>
+            </a:r>
+            <a:r>
+              <a:rPr lang="en-US" altLang="zh-TW" dirty="0" smtClean="0"/>
+              <a:t>, </a:t>
+            </a:r>
+            <a:r>
+              <a:rPr lang="en-US" altLang="zh-TW" dirty="0" err="1" smtClean="0"/>
+              <a:t>Hala</a:t>
+            </a:r>
+            <a:r>
+              <a:rPr lang="en-US" altLang="zh-TW" dirty="0" smtClean="0"/>
+              <a:t> </a:t>
+            </a:r>
+            <a:endParaRPr lang="en-US" altLang="zh-TW" dirty="0" smtClean="0"/>
           </a:p>
           <a:p>
             <a:r>
@@ -3134,7 +3168,7 @@
           <a:p>
             <a:r>
               <a:rPr lang="en-US" altLang="zh-TW" dirty="0" smtClean="0"/>
-              <a:t>Cochrane Reviews</a:t>
+              <a:t>Trials</a:t>
             </a:r>
             <a:endParaRPr lang="zh-TW" altLang="en-US" dirty="0"/>
           </a:p>
@@ -3155,38 +3189,18 @@
           <a:bodyPr/>
           <a:lstStyle/>
           <a:p>
-            <a:endParaRPr lang="zh-TW" altLang="en-US"/>
-          </a:p>
-        </p:txBody>
-      </p:sp>
-      <p:pic>
-        <p:nvPicPr>
-          <p:cNvPr id="4" name="圖片 3"/>
-          <p:cNvPicPr>
-            <a:picLocks noChangeAspect="1"/>
-          </p:cNvPicPr>
-          <p:nvPr/>
-        </p:nvPicPr>
-        <p:blipFill>
-          <a:blip r:embed="rId2"/>
-          <a:stretch>
-            <a:fillRect/>
-          </a:stretch>
-        </p:blipFill>
-        <p:spPr>
-          <a:xfrm>
-            <a:off x="2475098" y="1690688"/>
-            <a:ext cx="7241804" cy="5152129"/>
-          </a:xfrm>
-          <a:prstGeom prst="rect">
-            <a:avLst/>
-          </a:prstGeom>
-        </p:spPr>
-      </p:pic>
+            <a:r>
+              <a:rPr lang="en-US" altLang="zh-TW" dirty="0" smtClean="0"/>
+              <a:t>?</a:t>
+            </a:r>
+            <a:endParaRPr lang="zh-TW" altLang="en-US" dirty="0"/>
+          </a:p>
+        </p:txBody>
+      </p:sp>
     </p:spTree>
     <p:extLst>
       <p:ext uri="{BB962C8B-B14F-4D97-AF65-F5344CB8AC3E}">
-        <p14:creationId xmlns:p14="http://schemas.microsoft.com/office/powerpoint/2010/main" val="1138719741"/>
+        <p14:creationId xmlns:p14="http://schemas.microsoft.com/office/powerpoint/2010/main" val="1151798183"/>
       </p:ext>
     </p:extLst>
   </p:cSld>
@@ -3236,60 +3250,113 @@
           <a:lstStyle/>
           <a:p>
             <a:r>
+              <a:rPr lang="en-US" altLang="zh-TW" b="1" dirty="0" smtClean="0"/>
+              <a:t>Comprehensive Literature Search</a:t>
+            </a:r>
+            <a:endParaRPr lang="zh-TW" altLang="en-US" dirty="0"/>
+          </a:p>
+        </p:txBody>
+      </p:sp>
+      <p:sp>
+        <p:nvSpPr>
+          <p:cNvPr id="3" name="內容版面配置區 2"/>
+          <p:cNvSpPr>
+            <a:spLocks noGrp="1"/>
+          </p:cNvSpPr>
+          <p:nvPr>
+            <p:ph idx="1"/>
+          </p:nvPr>
+        </p:nvSpPr>
+        <p:spPr/>
+        <p:txBody>
+          <a:bodyPr/>
+          <a:lstStyle/>
+          <a:p>
+            <a:pPr lvl="0"/>
+            <a:r>
+              <a:rPr lang="en-US" altLang="zh-TW" b="1" dirty="0"/>
+              <a:t>Web of Science</a:t>
+            </a:r>
+            <a:r>
+              <a:rPr lang="en-US" altLang="zh-TW" dirty="0"/>
+              <a:t>: TS=(Estrogens OR Estrogen) AND TS</a:t>
+            </a:r>
+            <a:r>
               <a:rPr lang="en-US" altLang="zh-TW" dirty="0" smtClean="0"/>
-              <a:t>Trials</a:t>
-            </a:r>
-            <a:endParaRPr lang="zh-TW" altLang="en-US" dirty="0"/>
-          </a:p>
-        </p:txBody>
-      </p:sp>
-      <p:sp>
-        <p:nvSpPr>
-          <p:cNvPr id="3" name="內容版面配置區 2"/>
-          <p:cNvSpPr>
-            <a:spLocks noGrp="1"/>
-          </p:cNvSpPr>
-          <p:nvPr>
-            <p:ph idx="1"/>
-          </p:nvPr>
-        </p:nvSpPr>
-        <p:spPr/>
-        <p:txBody>
-          <a:bodyPr/>
-          <a:lstStyle/>
-          <a:p>
-            <a:endParaRPr lang="zh-TW" altLang="en-US"/>
-          </a:p>
-        </p:txBody>
-      </p:sp>
-      <p:pic>
-        <p:nvPicPr>
-          <p:cNvPr id="4" name="圖片 3"/>
-          <p:cNvPicPr>
-            <a:picLocks noChangeAspect="1"/>
-          </p:cNvPicPr>
-          <p:nvPr/>
-        </p:nvPicPr>
-        <p:blipFill>
-          <a:blip r:embed="rId2"/>
-          <a:stretch>
-            <a:fillRect/>
-          </a:stretch>
-        </p:blipFill>
-        <p:spPr>
-          <a:xfrm>
-            <a:off x="3384135" y="1695912"/>
-            <a:ext cx="5430539" cy="5162088"/>
-          </a:xfrm>
-          <a:prstGeom prst="rect">
-            <a:avLst/>
-          </a:prstGeom>
-        </p:spPr>
-      </p:pic>
+              <a:t>=(MS </a:t>
+            </a:r>
+            <a:r>
+              <a:rPr lang="en-US" altLang="zh-TW" dirty="0"/>
+              <a:t>OR “multiple sclerosis</a:t>
+            </a:r>
+            <a:r>
+              <a:rPr lang="en-US" altLang="zh-TW" dirty="0" smtClean="0"/>
+              <a:t>”) </a:t>
+            </a:r>
+            <a:r>
+              <a:rPr lang="en-US" altLang="zh-TW" dirty="0"/>
+              <a:t>AND TS=("Hormone Therapy" OR Prevention)</a:t>
+            </a:r>
+            <a:endParaRPr lang="zh-TW" altLang="zh-TW" dirty="0"/>
+          </a:p>
+          <a:p>
+            <a:pPr lvl="1"/>
+            <a:r>
+              <a:rPr lang="en-US" altLang="zh-TW" dirty="0"/>
+              <a:t>| Timespan: 2015-01-01 to 2024-12-31 (Publication Date)</a:t>
+            </a:r>
+            <a:endParaRPr lang="zh-TW" altLang="zh-TW" dirty="0"/>
+          </a:p>
+          <a:p>
+            <a:pPr lvl="1"/>
+            <a:r>
+              <a:rPr lang="en-US" altLang="zh-TW" dirty="0"/>
+              <a:t>?</a:t>
+            </a:r>
+            <a:r>
+              <a:rPr lang="en-US" altLang="zh-TW" dirty="0" smtClean="0"/>
+              <a:t> </a:t>
+            </a:r>
+            <a:r>
+              <a:rPr lang="en-US" altLang="zh-TW" dirty="0"/>
+              <a:t>Documents: </a:t>
+            </a:r>
+            <a:r>
+              <a:rPr lang="en-US" altLang="zh-TW" dirty="0" err="1">
+                <a:solidFill>
+                  <a:srgbClr val="0070C0"/>
+                </a:solidFill>
+              </a:rPr>
+              <a:t>savedrecs</a:t>
+            </a:r>
+            <a:r>
+              <a:rPr lang="en-US" altLang="zh-TW" dirty="0">
+                <a:solidFill>
+                  <a:srgbClr val="0070C0"/>
+                </a:solidFill>
+              </a:rPr>
+              <a:t> (Web of Science).</a:t>
+            </a:r>
+            <a:r>
+              <a:rPr lang="en-US" altLang="zh-TW" dirty="0" err="1">
+                <a:solidFill>
+                  <a:srgbClr val="0070C0"/>
+                </a:solidFill>
+              </a:rPr>
+              <a:t>ris</a:t>
+            </a:r>
+            <a:endParaRPr lang="zh-TW" altLang="zh-TW" dirty="0">
+              <a:solidFill>
+                <a:srgbClr val="0070C0"/>
+              </a:solidFill>
+            </a:endParaRPr>
+          </a:p>
+        </p:txBody>
+      </p:sp>
     </p:spTree>
     <p:extLst>
       <p:ext uri="{BB962C8B-B14F-4D97-AF65-F5344CB8AC3E}">
-        <p14:creationId xmlns:p14="http://schemas.microsoft.com/office/powerpoint/2010/main" val="1151798183"/>
+        <p14:creationId xmlns:p14="http://schemas.microsoft.com/office/powerpoint/2010/main" val="250142176"/>
       </p:ext>
     </p:extLst>
   </p:cSld>
@@ -3307,7 +3374,7 @@
 </file>
 
 <file path=ppt/slides/slide12.xml><?xml version="1.0" encoding="utf-8"?>
-<p:sld xmlns:a="http://schemas.openxmlformats.org/drawingml/2006/main" xmlns:r="http://schemas.openxmlformats.org/officeDocument/2006/relationships" xmlns:p="http://schemas.openxmlformats.org/presentationml/2006/main" show="0">
+<p:sld xmlns:a="http://schemas.openxmlformats.org/drawingml/2006/main" xmlns:r="http://schemas.openxmlformats.org/officeDocument/2006/relationships" xmlns:p="http://schemas.openxmlformats.org/presentationml/2006/main">
   <p:cSld>
     <p:spTree>
       <p:nvGrpSpPr>
@@ -3340,7 +3407,7 @@
           <a:p>
             <a:r>
               <a:rPr lang="en-US" altLang="zh-TW" dirty="0" smtClean="0"/>
-              <a:t>Cochrane Review</a:t>
+              <a:t>Web of Science</a:t>
             </a:r>
             <a:endParaRPr lang="zh-TW" altLang="en-US" dirty="0"/>
           </a:p>
@@ -3361,52 +3428,24 @@
           <a:bodyPr/>
           <a:lstStyle/>
           <a:p>
-            <a:endParaRPr lang="zh-TW" altLang="en-US"/>
-          </a:p>
-        </p:txBody>
-      </p:sp>
-      <p:pic>
-        <p:nvPicPr>
-          <p:cNvPr id="4" name="圖片 3"/>
-          <p:cNvPicPr>
-            <a:picLocks noChangeAspect="1"/>
-          </p:cNvPicPr>
-          <p:nvPr/>
-        </p:nvPicPr>
-        <p:blipFill>
-          <a:blip r:embed="rId2"/>
-          <a:stretch>
-            <a:fillRect/>
-          </a:stretch>
-        </p:blipFill>
-        <p:spPr>
-          <a:xfrm>
-            <a:off x="0" y="2488503"/>
-            <a:ext cx="12192000" cy="2085075"/>
-          </a:xfrm>
-          <a:prstGeom prst="rect">
-            <a:avLst/>
-          </a:prstGeom>
-        </p:spPr>
-      </p:pic>
+            <a:r>
+              <a:rPr lang="en-US" altLang="zh-TW" dirty="0" smtClean="0"/>
+              <a:t>?</a:t>
+            </a:r>
+            <a:endParaRPr lang="zh-TW" altLang="en-US" dirty="0"/>
+          </a:p>
+        </p:txBody>
+      </p:sp>
     </p:spTree>
     <p:extLst>
       <p:ext uri="{BB962C8B-B14F-4D97-AF65-F5344CB8AC3E}">
-        <p14:creationId xmlns:p14="http://schemas.microsoft.com/office/powerpoint/2010/main" val="1293003740"/>
+        <p14:creationId xmlns:p14="http://schemas.microsoft.com/office/powerpoint/2010/main" val="3153407654"/>
       </p:ext>
     </p:extLst>
   </p:cSld>
   <p:clrMapOvr>
     <a:masterClrMapping/>
   </p:clrMapOvr>
-  <mc:AlternateContent xmlns:mc="http://schemas.openxmlformats.org/markup-compatibility/2006" xmlns:p14="http://schemas.microsoft.com/office/powerpoint/2010/main">
-    <mc:Choice Requires="p14">
-      <p:transition spd="slow" p14:dur="2000"/>
-    </mc:Choice>
-    <mc:Fallback xmlns="">
-      <p:transition spd="slow"/>
-    </mc:Fallback>
-  </mc:AlternateContent>
   <p:timing>
     <p:tnLst>
       <p:par>
@@ -3450,8 +3489,8 @@
           <a:lstStyle/>
           <a:p>
             <a:r>
-              <a:rPr lang="en-US" altLang="zh-TW" b="1" dirty="0" smtClean="0"/>
-              <a:t>Comprehensive Literature Search</a:t>
+              <a:rPr lang="en-US" altLang="zh-TW" dirty="0" smtClean="0"/>
+              <a:t>Timeline</a:t>
             </a:r>
             <a:endParaRPr lang="zh-TW" altLang="en-US" dirty="0"/>
           </a:p>
@@ -3469,883 +3508,94 @@
         </p:nvSpPr>
         <p:spPr/>
         <p:txBody>
-          <a:bodyPr/>
-          <a:lstStyle/>
-          <a:p>
-            <a:pPr lvl="0"/>
-            <a:r>
-              <a:rPr lang="en-US" altLang="zh-TW" b="1" dirty="0"/>
-              <a:t>Web of Science</a:t>
-            </a:r>
-            <a:r>
-              <a:rPr lang="en-US" altLang="zh-TW" dirty="0"/>
-              <a:t>: TS=(Estrogens OR Estrogen) AND TS=("Immune System Diseases" OR "Autoimmune diseases" OR lupus OR SLE </a:t>
-            </a:r>
+          <a:bodyPr>
+            <a:normAutofit fontScale="77500" lnSpcReduction="20000"/>
+          </a:bodyPr>
+          <a:lstStyle/>
+          <a:p>
             <a:r>
               <a:rPr lang="en-US" altLang="zh-TW" dirty="0" smtClean="0"/>
-              <a:t>OR RA OR “rheumatoid arthritis” OR </a:t>
-            </a:r>
-            <a:r>
-              <a:rPr lang="en-US" altLang="zh-TW" dirty="0"/>
-              <a:t>MS OR “multiple sclerosis” OR “GPA” OR “</a:t>
+              <a:t>Optimize search strategy</a:t>
+            </a:r>
+            <a:endParaRPr lang="en-US" altLang="zh-TW" dirty="0"/>
+          </a:p>
+          <a:p>
+            <a:r>
+              <a:rPr lang="en-US" altLang="zh-TW" dirty="0"/>
+              <a:t>Finalize protocol on Dec 25</a:t>
+            </a:r>
+          </a:p>
+          <a:p>
+            <a:r>
+              <a:rPr lang="en-US" altLang="zh-TW" dirty="0"/>
+              <a:t>Register PROSPERO on Dec 25th </a:t>
+            </a:r>
+          </a:p>
+          <a:p>
+            <a:endParaRPr lang="en-US" altLang="zh-TW" dirty="0"/>
+          </a:p>
+          <a:p>
+            <a:r>
+              <a:rPr lang="en-US" altLang="zh-TW" dirty="0"/>
+              <a:t>26th and 27th Find duplicates</a:t>
+            </a:r>
+          </a:p>
+          <a:p>
+            <a:endParaRPr lang="en-US" altLang="zh-TW" dirty="0"/>
+          </a:p>
+          <a:p>
+            <a:r>
+              <a:rPr lang="en-US" altLang="zh-TW" dirty="0"/>
+              <a:t>Start Screening articles on 28th Dec and finish by 10th </a:t>
+            </a:r>
+            <a:r>
+              <a:rPr lang="en-US" altLang="zh-TW" dirty="0" smtClean="0"/>
+              <a:t>Jan [screen articles by titles] (100 -150 /day ) Estimate 3800 articles</a:t>
+            </a:r>
+          </a:p>
+          <a:p>
+            <a:endParaRPr lang="en-US" altLang="zh-TW" dirty="0" smtClean="0"/>
+          </a:p>
+          <a:p>
+            <a:r>
+              <a:rPr lang="en-US" altLang="zh-TW" dirty="0" smtClean="0"/>
+              <a:t>Start </a:t>
+            </a:r>
+            <a:r>
+              <a:rPr lang="en-US" altLang="zh-TW" dirty="0"/>
+              <a:t>Screening articles by abstract on 11th Jan finish by 24th Jan ( 10-20 /day) </a:t>
             </a:r>
             <a:r>
               <a:rPr lang="en-US" altLang="zh-TW" dirty="0" err="1"/>
-              <a:t>granulomatosis</a:t>
-            </a:r>
-            <a:r>
-              <a:rPr lang="en-US" altLang="zh-TW" dirty="0"/>
-              <a:t> with </a:t>
-            </a:r>
-            <a:r>
-              <a:rPr lang="en-US" altLang="zh-TW" dirty="0" err="1"/>
-              <a:t>polyangiitis</a:t>
-            </a:r>
-            <a:r>
-              <a:rPr lang="en-US" altLang="zh-TW" dirty="0"/>
-              <a:t>” OR Wegener OR Wegener’s OR psoriasis OR </a:t>
-            </a:r>
-            <a:r>
-              <a:rPr lang="en-US" altLang="zh-TW" dirty="0" err="1"/>
-              <a:t>Sjogren</a:t>
-            </a:r>
-            <a:r>
-              <a:rPr lang="en-US" altLang="zh-TW" dirty="0"/>
-              <a:t> OR </a:t>
-            </a:r>
-            <a:r>
-              <a:rPr lang="en-US" altLang="zh-TW" dirty="0" err="1"/>
-              <a:t>Sjögren</a:t>
-            </a:r>
-            <a:r>
-              <a:rPr lang="en-US" altLang="zh-TW" dirty="0"/>
-              <a:t> OR </a:t>
-            </a:r>
-            <a:r>
-              <a:rPr lang="en-US" altLang="zh-TW" dirty="0" err="1"/>
-              <a:t>Sjogren’s</a:t>
-            </a:r>
-            <a:r>
-              <a:rPr lang="en-US" altLang="zh-TW" dirty="0"/>
-              <a:t> OR </a:t>
-            </a:r>
-            <a:r>
-              <a:rPr lang="en-US" altLang="zh-TW" dirty="0" err="1"/>
-              <a:t>Sjögren’s</a:t>
-            </a:r>
-            <a:r>
-              <a:rPr lang="en-US" altLang="zh-TW" dirty="0"/>
-              <a:t> OR allergy OR allergies) AND TS=("Hormone Therapy" OR Prevention)</a:t>
-            </a:r>
-            <a:endParaRPr lang="zh-TW" altLang="zh-TW" dirty="0"/>
-          </a:p>
-          <a:p>
-            <a:pPr lvl="1"/>
-            <a:r>
-              <a:rPr lang="en-US" altLang="zh-TW" dirty="0"/>
-              <a:t>| Timespan: 2015-01-01 to 2024-12-31 (Publication Date)</a:t>
-            </a:r>
-            <a:endParaRPr lang="zh-TW" altLang="zh-TW" dirty="0"/>
-          </a:p>
-          <a:p>
-            <a:pPr lvl="1"/>
-            <a:r>
-              <a:rPr lang="en-US" altLang="zh-TW" dirty="0" smtClean="0"/>
-              <a:t>167 </a:t>
-            </a:r>
-            <a:r>
-              <a:rPr lang="en-US" altLang="zh-TW" dirty="0"/>
-              <a:t>Documents: </a:t>
-            </a:r>
-            <a:r>
-              <a:rPr lang="en-US" altLang="zh-TW" dirty="0" err="1">
-                <a:solidFill>
-                  <a:srgbClr val="0070C0"/>
-                </a:solidFill>
-              </a:rPr>
-              <a:t>savedrecs</a:t>
-            </a:r>
-            <a:r>
-              <a:rPr lang="en-US" altLang="zh-TW" dirty="0">
-                <a:solidFill>
-                  <a:srgbClr val="0070C0"/>
-                </a:solidFill>
-              </a:rPr>
-              <a:t> (Web of Science).</a:t>
-            </a:r>
-            <a:r>
-              <a:rPr lang="en-US" altLang="zh-TW" dirty="0" err="1">
-                <a:solidFill>
-                  <a:srgbClr val="0070C0"/>
-                </a:solidFill>
-              </a:rPr>
-              <a:t>ris</a:t>
-            </a:r>
-            <a:endParaRPr lang="zh-TW" altLang="zh-TW" dirty="0">
-              <a:solidFill>
-                <a:srgbClr val="0070C0"/>
-              </a:solidFill>
-            </a:endParaRPr>
+              <a:t>est</a:t>
+            </a:r>
+            <a:r>
+              <a:rPr lang="en-US" altLang="zh-TW" dirty="0"/>
+              <a:t> 400</a:t>
+            </a:r>
+          </a:p>
+          <a:p>
+            <a:endParaRPr lang="en-US" altLang="zh-TW" dirty="0"/>
+          </a:p>
+          <a:p>
+            <a:r>
+              <a:rPr lang="en-US" altLang="zh-TW" dirty="0"/>
+              <a:t>Full text review  start by 25th Jan and finish by 7th Feb</a:t>
+            </a:r>
+            <a:endParaRPr lang="zh-TW" altLang="en-US" dirty="0"/>
           </a:p>
         </p:txBody>
       </p:sp>
     </p:spTree>
     <p:extLst>
       <p:ext uri="{BB962C8B-B14F-4D97-AF65-F5344CB8AC3E}">
-        <p14:creationId xmlns:p14="http://schemas.microsoft.com/office/powerpoint/2010/main" val="250142176"/>
+        <p14:creationId xmlns:p14="http://schemas.microsoft.com/office/powerpoint/2010/main" val="1720429268"/>
       </p:ext>
     </p:extLst>
   </p:cSld>
   <p:clrMapOvr>
     <a:masterClrMapping/>
   </p:clrMapOvr>
-  <p:timing>
-    <p:tnLst>
-      <p:par>
-        <p:cTn id="1" dur="indefinite" restart="never" nodeType="tmRoot"/>
-      </p:par>
-    </p:tnLst>
-  </p:timing>
-</p:sld>
-</file>
-
-<file path=ppt/slides/slide14.xml><?xml version="1.0" encoding="utf-8"?>
-<p:sld xmlns:a="http://schemas.openxmlformats.org/drawingml/2006/main" xmlns:r="http://schemas.openxmlformats.org/officeDocument/2006/relationships" xmlns:p="http://schemas.openxmlformats.org/presentationml/2006/main">
-  <p:cSld>
-    <p:spTree>
-      <p:nvGrpSpPr>
-        <p:cNvPr id="1" name=""/>
-        <p:cNvGrpSpPr/>
-        <p:nvPr/>
-      </p:nvGrpSpPr>
-      <p:grpSpPr>
-        <a:xfrm>
-          <a:off x="0" y="0"/>
-          <a:ext cx="0" cy="0"/>
-          <a:chOff x="0" y="0"/>
-          <a:chExt cx="0" cy="0"/>
-        </a:xfrm>
-      </p:grpSpPr>
-      <p:sp>
-        <p:nvSpPr>
-          <p:cNvPr id="2" name="標題 1"/>
-          <p:cNvSpPr>
-            <a:spLocks noGrp="1"/>
-          </p:cNvSpPr>
-          <p:nvPr>
-            <p:ph type="title"/>
-          </p:nvPr>
-        </p:nvSpPr>
-        <p:spPr/>
-        <p:txBody>
-          <a:bodyPr/>
-          <a:lstStyle/>
-          <a:p>
-            <a:r>
-              <a:rPr lang="en-US" altLang="zh-TW" dirty="0" smtClean="0"/>
-              <a:t>Web of Science</a:t>
-            </a:r>
-            <a:endParaRPr lang="zh-TW" altLang="en-US" dirty="0"/>
-          </a:p>
-        </p:txBody>
-      </p:sp>
-      <p:sp>
-        <p:nvSpPr>
-          <p:cNvPr id="3" name="內容版面配置區 2"/>
-          <p:cNvSpPr>
-            <a:spLocks noGrp="1"/>
-          </p:cNvSpPr>
-          <p:nvPr>
-            <p:ph idx="1"/>
-          </p:nvPr>
-        </p:nvSpPr>
-        <p:spPr/>
-        <p:txBody>
-          <a:bodyPr/>
-          <a:lstStyle/>
-          <a:p>
-            <a:endParaRPr lang="zh-TW" altLang="en-US"/>
-          </a:p>
-        </p:txBody>
-      </p:sp>
-      <p:pic>
-        <p:nvPicPr>
-          <p:cNvPr id="4" name="圖片 3"/>
-          <p:cNvPicPr>
-            <a:picLocks noChangeAspect="1"/>
-          </p:cNvPicPr>
-          <p:nvPr/>
-        </p:nvPicPr>
-        <p:blipFill>
-          <a:blip r:embed="rId2"/>
-          <a:stretch>
-            <a:fillRect/>
-          </a:stretch>
-        </p:blipFill>
-        <p:spPr>
-          <a:xfrm>
-            <a:off x="2518237" y="1685459"/>
-            <a:ext cx="7166774" cy="5172541"/>
-          </a:xfrm>
-          <a:prstGeom prst="rect">
-            <a:avLst/>
-          </a:prstGeom>
-        </p:spPr>
-      </p:pic>
-    </p:spTree>
-    <p:extLst>
-      <p:ext uri="{BB962C8B-B14F-4D97-AF65-F5344CB8AC3E}">
-        <p14:creationId xmlns:p14="http://schemas.microsoft.com/office/powerpoint/2010/main" val="3153407654"/>
-      </p:ext>
-    </p:extLst>
-  </p:cSld>
-  <p:clrMapOvr>
-    <a:masterClrMapping/>
-  </p:clrMapOvr>
-  <p:timing>
-    <p:tnLst>
-      <p:par>
-        <p:cTn id="1" dur="indefinite" restart="never" nodeType="tmRoot"/>
-      </p:par>
-    </p:tnLst>
-  </p:timing>
-</p:sld>
-</file>
-
-<file path=ppt/slides/slide15.xml><?xml version="1.0" encoding="utf-8"?>
-<p:sld xmlns:a="http://schemas.openxmlformats.org/drawingml/2006/main" xmlns:r="http://schemas.openxmlformats.org/officeDocument/2006/relationships" xmlns:p="http://schemas.openxmlformats.org/presentationml/2006/main">
-  <p:cSld>
-    <p:spTree>
-      <p:nvGrpSpPr>
-        <p:cNvPr id="1" name=""/>
-        <p:cNvGrpSpPr/>
-        <p:nvPr/>
-      </p:nvGrpSpPr>
-      <p:grpSpPr>
-        <a:xfrm>
-          <a:off x="0" y="0"/>
-          <a:ext cx="0" cy="0"/>
-          <a:chOff x="0" y="0"/>
-          <a:chExt cx="0" cy="0"/>
-        </a:xfrm>
-      </p:grpSpPr>
-      <p:sp>
-        <p:nvSpPr>
-          <p:cNvPr id="2" name="標題 1"/>
-          <p:cNvSpPr>
-            <a:spLocks noGrp="1"/>
-          </p:cNvSpPr>
-          <p:nvPr>
-            <p:ph type="title"/>
-          </p:nvPr>
-        </p:nvSpPr>
-        <p:spPr/>
-        <p:txBody>
-          <a:bodyPr/>
-          <a:lstStyle/>
-          <a:p>
-            <a:r>
-              <a:rPr lang="en-US" altLang="zh-TW" dirty="0" smtClean="0"/>
-              <a:t>Review Data</a:t>
-            </a:r>
-            <a:endParaRPr lang="zh-TW" altLang="en-US" dirty="0"/>
-          </a:p>
-        </p:txBody>
-      </p:sp>
-      <p:sp>
-        <p:nvSpPr>
-          <p:cNvPr id="3" name="內容版面配置區 2"/>
-          <p:cNvSpPr>
-            <a:spLocks noGrp="1"/>
-          </p:cNvSpPr>
-          <p:nvPr>
-            <p:ph idx="1"/>
-          </p:nvPr>
-        </p:nvSpPr>
-        <p:spPr/>
-        <p:txBody>
-          <a:bodyPr/>
-          <a:lstStyle/>
-          <a:p>
-            <a:r>
-              <a:rPr lang="en-US" altLang="zh-TW" dirty="0" smtClean="0"/>
-              <a:t>4392 articles are identified.</a:t>
-            </a:r>
-          </a:p>
-          <a:p>
-            <a:r>
-              <a:rPr lang="en-US" altLang="zh-TW" dirty="0" smtClean="0"/>
-              <a:t>864 duplicates are detected.</a:t>
-            </a:r>
-          </a:p>
-          <a:p>
-            <a:r>
-              <a:rPr lang="en-US" altLang="zh-TW" dirty="0" smtClean="0"/>
-              <a:t>510 are deleted.</a:t>
-            </a:r>
-          </a:p>
-          <a:p>
-            <a:r>
-              <a:rPr lang="en-US" altLang="zh-TW" dirty="0" smtClean="0"/>
-              <a:t>354 are resolved.</a:t>
-            </a:r>
-          </a:p>
-          <a:p>
-            <a:r>
-              <a:rPr lang="en-US" altLang="zh-TW" dirty="0" smtClean="0"/>
-              <a:t>3882 articles to screen:</a:t>
-            </a:r>
-            <a:r>
-              <a:rPr lang="zh-TW" altLang="en-US" dirty="0" smtClean="0"/>
-              <a:t> </a:t>
-            </a:r>
-            <a:r>
-              <a:rPr lang="en-US" altLang="zh-TW" dirty="0">
-                <a:solidFill>
-                  <a:srgbClr val="0070C0"/>
-                </a:solidFill>
-              </a:rPr>
-              <a:t>articles to screen ris.zip</a:t>
-            </a:r>
-            <a:endParaRPr lang="zh-TW" altLang="en-US" dirty="0">
-              <a:solidFill>
-                <a:srgbClr val="0070C0"/>
-              </a:solidFill>
-            </a:endParaRPr>
-          </a:p>
-        </p:txBody>
-      </p:sp>
-    </p:spTree>
-    <p:extLst>
-      <p:ext uri="{BB962C8B-B14F-4D97-AF65-F5344CB8AC3E}">
-        <p14:creationId xmlns:p14="http://schemas.microsoft.com/office/powerpoint/2010/main" val="3111666526"/>
-      </p:ext>
-    </p:extLst>
-  </p:cSld>
-  <p:clrMapOvr>
-    <a:masterClrMapping/>
-  </p:clrMapOvr>
-  <p:timing>
-    <p:tnLst>
-      <p:par>
-        <p:cTn id="1" dur="indefinite" restart="never" nodeType="tmRoot"/>
-      </p:par>
-    </p:tnLst>
-  </p:timing>
-</p:sld>
-</file>
-
-<file path=ppt/slides/slide16.xml><?xml version="1.0" encoding="utf-8"?>
-<p:sld xmlns:a="http://schemas.openxmlformats.org/drawingml/2006/main" xmlns:r="http://schemas.openxmlformats.org/officeDocument/2006/relationships" xmlns:p="http://schemas.openxmlformats.org/presentationml/2006/main">
-  <p:cSld>
-    <p:spTree>
-      <p:nvGrpSpPr>
-        <p:cNvPr id="1" name=""/>
-        <p:cNvGrpSpPr/>
-        <p:nvPr/>
-      </p:nvGrpSpPr>
-      <p:grpSpPr>
-        <a:xfrm>
-          <a:off x="0" y="0"/>
-          <a:ext cx="0" cy="0"/>
-          <a:chOff x="0" y="0"/>
-          <a:chExt cx="0" cy="0"/>
-        </a:xfrm>
-      </p:grpSpPr>
-      <p:sp>
-        <p:nvSpPr>
-          <p:cNvPr id="2" name="標題 1"/>
-          <p:cNvSpPr>
-            <a:spLocks noGrp="1"/>
-          </p:cNvSpPr>
-          <p:nvPr>
-            <p:ph type="title"/>
-          </p:nvPr>
-        </p:nvSpPr>
-        <p:spPr/>
-        <p:txBody>
-          <a:bodyPr/>
-          <a:lstStyle/>
-          <a:p>
-            <a:r>
-              <a:rPr lang="en-US" altLang="zh-TW" dirty="0" smtClean="0"/>
-              <a:t>PRISMA Flow Diagram</a:t>
-            </a:r>
-            <a:endParaRPr lang="zh-TW" altLang="en-US" dirty="0"/>
-          </a:p>
-        </p:txBody>
-      </p:sp>
-      <p:sp>
-        <p:nvSpPr>
-          <p:cNvPr id="3" name="內容版面配置區 2"/>
-          <p:cNvSpPr>
-            <a:spLocks noGrp="1"/>
-          </p:cNvSpPr>
-          <p:nvPr>
-            <p:ph idx="1"/>
-          </p:nvPr>
-        </p:nvSpPr>
-        <p:spPr/>
-        <p:txBody>
-          <a:bodyPr/>
-          <a:lstStyle/>
-          <a:p>
-            <a:endParaRPr lang="zh-TW" altLang="en-US"/>
-          </a:p>
-        </p:txBody>
-      </p:sp>
-      <p:pic>
-        <p:nvPicPr>
-          <p:cNvPr id="4" name="圖片 3"/>
-          <p:cNvPicPr>
-            <a:picLocks noChangeAspect="1"/>
-          </p:cNvPicPr>
-          <p:nvPr/>
-        </p:nvPicPr>
-        <p:blipFill>
-          <a:blip r:embed="rId2"/>
-          <a:stretch>
-            <a:fillRect/>
-          </a:stretch>
-        </p:blipFill>
-        <p:spPr>
-          <a:xfrm>
-            <a:off x="3409771" y="1690688"/>
-            <a:ext cx="5380157" cy="5165666"/>
-          </a:xfrm>
-          <a:prstGeom prst="rect">
-            <a:avLst/>
-          </a:prstGeom>
-        </p:spPr>
-      </p:pic>
-    </p:spTree>
-    <p:extLst>
-      <p:ext uri="{BB962C8B-B14F-4D97-AF65-F5344CB8AC3E}">
-        <p14:creationId xmlns:p14="http://schemas.microsoft.com/office/powerpoint/2010/main" val="97908569"/>
-      </p:ext>
-    </p:extLst>
-  </p:cSld>
-  <p:clrMapOvr>
-    <a:masterClrMapping/>
-  </p:clrMapOvr>
-  <p:timing>
-    <p:tnLst>
-      <p:par>
-        <p:cTn id="1" dur="indefinite" restart="never" nodeType="tmRoot"/>
-      </p:par>
-    </p:tnLst>
-  </p:timing>
-</p:sld>
-</file>
-
-<file path=ppt/slides/slide17.xml><?xml version="1.0" encoding="utf-8"?>
-<p:sld xmlns:a="http://schemas.openxmlformats.org/drawingml/2006/main" xmlns:r="http://schemas.openxmlformats.org/officeDocument/2006/relationships" xmlns:p="http://schemas.openxmlformats.org/presentationml/2006/main" show="0">
-  <p:cSld>
-    <p:spTree>
-      <p:nvGrpSpPr>
-        <p:cNvPr id="1" name=""/>
-        <p:cNvGrpSpPr/>
-        <p:nvPr/>
-      </p:nvGrpSpPr>
-      <p:grpSpPr>
-        <a:xfrm>
-          <a:off x="0" y="0"/>
-          <a:ext cx="0" cy="0"/>
-          <a:chOff x="0" y="0"/>
-          <a:chExt cx="0" cy="0"/>
-        </a:xfrm>
-      </p:grpSpPr>
-      <p:sp>
-        <p:nvSpPr>
-          <p:cNvPr id="2" name="標題 1"/>
-          <p:cNvSpPr>
-            <a:spLocks noGrp="1"/>
-          </p:cNvSpPr>
-          <p:nvPr>
-            <p:ph type="title"/>
-          </p:nvPr>
-        </p:nvSpPr>
-        <p:spPr/>
-        <p:txBody>
-          <a:bodyPr/>
-          <a:lstStyle/>
-          <a:p>
-            <a:r>
-              <a:rPr lang="en-US" altLang="zh-TW" dirty="0" smtClean="0"/>
-              <a:t>Screening</a:t>
-            </a:r>
-            <a:endParaRPr lang="zh-TW" altLang="en-US" dirty="0"/>
-          </a:p>
-        </p:txBody>
-      </p:sp>
-      <p:sp>
-        <p:nvSpPr>
-          <p:cNvPr id="3" name="內容版面配置區 2"/>
-          <p:cNvSpPr>
-            <a:spLocks noGrp="1"/>
-          </p:cNvSpPr>
-          <p:nvPr>
-            <p:ph idx="1"/>
-          </p:nvPr>
-        </p:nvSpPr>
-        <p:spPr/>
-        <p:txBody>
-          <a:bodyPr/>
-          <a:lstStyle/>
-          <a:p>
-            <a:r>
-              <a:rPr lang="en-US" altLang="zh-TW" dirty="0" smtClean="0"/>
-              <a:t>Web of Science: 6 included. 51 excluded.</a:t>
-            </a:r>
-          </a:p>
-          <a:p>
-            <a:r>
-              <a:rPr lang="en-US" altLang="zh-TW" dirty="0" smtClean="0"/>
-              <a:t>Cochrane Trials: 3 included. 37 excluded.</a:t>
-            </a:r>
-          </a:p>
-          <a:p>
-            <a:r>
-              <a:rPr lang="en-US" altLang="zh-TW" dirty="0" smtClean="0"/>
-              <a:t>Cochrane Review: 0 included. 3 excluded.</a:t>
-            </a:r>
-          </a:p>
-          <a:p>
-            <a:r>
-              <a:rPr lang="en-US" altLang="zh-TW" dirty="0"/>
-              <a:t>Included: </a:t>
-            </a:r>
-            <a:r>
-              <a:rPr lang="en-US" altLang="zh-TW" dirty="0">
-                <a:solidFill>
-                  <a:srgbClr val="0070C0"/>
-                </a:solidFill>
-              </a:rPr>
-              <a:t>included articles </a:t>
-            </a:r>
-            <a:r>
-              <a:rPr lang="en-US" altLang="zh-TW" dirty="0" err="1">
-                <a:solidFill>
-                  <a:srgbClr val="0070C0"/>
-                </a:solidFill>
-              </a:rPr>
-              <a:t>ris</a:t>
-            </a:r>
-            <a:r>
-              <a:rPr lang="en-US" altLang="zh-TW" dirty="0">
-                <a:solidFill>
-                  <a:srgbClr val="0070C0"/>
-                </a:solidFill>
-              </a:rPr>
-              <a:t> (Cochrane Library &amp; Web of Science).</a:t>
-            </a:r>
-            <a:r>
-              <a:rPr lang="en-US" altLang="zh-TW" dirty="0" smtClean="0">
-                <a:solidFill>
-                  <a:srgbClr val="0070C0"/>
-                </a:solidFill>
-              </a:rPr>
-              <a:t>zip</a:t>
-            </a:r>
-          </a:p>
-          <a:p>
-            <a:r>
-              <a:rPr lang="en-US" altLang="zh-TW" dirty="0"/>
-              <a:t>Excluded: </a:t>
-            </a:r>
-            <a:r>
-              <a:rPr lang="en-US" altLang="zh-TW" dirty="0">
-                <a:solidFill>
-                  <a:srgbClr val="0070C0"/>
-                </a:solidFill>
-              </a:rPr>
-              <a:t>excluded articles </a:t>
-            </a:r>
-            <a:r>
-              <a:rPr lang="en-US" altLang="zh-TW" dirty="0" err="1">
-                <a:solidFill>
-                  <a:srgbClr val="0070C0"/>
-                </a:solidFill>
-              </a:rPr>
-              <a:t>ris</a:t>
-            </a:r>
-            <a:r>
-              <a:rPr lang="en-US" altLang="zh-TW" dirty="0">
-                <a:solidFill>
-                  <a:srgbClr val="0070C0"/>
-                </a:solidFill>
-              </a:rPr>
-              <a:t> (Cochrane Library &amp; Web of Science).zip</a:t>
-            </a:r>
-            <a:endParaRPr lang="en-US" altLang="zh-TW" dirty="0" smtClean="0">
-              <a:solidFill>
-                <a:srgbClr val="0070C0"/>
-              </a:solidFill>
-            </a:endParaRPr>
-          </a:p>
-        </p:txBody>
-      </p:sp>
-    </p:spTree>
-    <p:extLst>
-      <p:ext uri="{BB962C8B-B14F-4D97-AF65-F5344CB8AC3E}">
-        <p14:creationId xmlns:p14="http://schemas.microsoft.com/office/powerpoint/2010/main" val="3282430007"/>
-      </p:ext>
-    </p:extLst>
-  </p:cSld>
-  <p:clrMapOvr>
-    <a:masterClrMapping/>
-  </p:clrMapOvr>
-  <mc:AlternateContent xmlns:mc="http://schemas.openxmlformats.org/markup-compatibility/2006" xmlns:p14="http://schemas.microsoft.com/office/powerpoint/2010/main">
-    <mc:Choice Requires="p14">
-      <p:transition spd="slow" p14:dur="2000"/>
-    </mc:Choice>
-    <mc:Fallback xmlns="">
-      <p:transition spd="slow"/>
-    </mc:Fallback>
-  </mc:AlternateContent>
-  <p:timing>
-    <p:tnLst>
-      <p:par>
-        <p:cTn id="1" dur="indefinite" restart="never" nodeType="tmRoot"/>
-      </p:par>
-    </p:tnLst>
-  </p:timing>
-</p:sld>
-</file>
-
-<file path=ppt/slides/slide18.xml><?xml version="1.0" encoding="utf-8"?>
-<p:sld xmlns:a="http://schemas.openxmlformats.org/drawingml/2006/main" xmlns:r="http://schemas.openxmlformats.org/officeDocument/2006/relationships" xmlns:p="http://schemas.openxmlformats.org/presentationml/2006/main" show="0">
-  <p:cSld>
-    <p:spTree>
-      <p:nvGrpSpPr>
-        <p:cNvPr id="1" name=""/>
-        <p:cNvGrpSpPr/>
-        <p:nvPr/>
-      </p:nvGrpSpPr>
-      <p:grpSpPr>
-        <a:xfrm>
-          <a:off x="0" y="0"/>
-          <a:ext cx="0" cy="0"/>
-          <a:chOff x="0" y="0"/>
-          <a:chExt cx="0" cy="0"/>
-        </a:xfrm>
-      </p:grpSpPr>
-      <p:sp>
-        <p:nvSpPr>
-          <p:cNvPr id="2" name="標題 1"/>
-          <p:cNvSpPr>
-            <a:spLocks noGrp="1"/>
-          </p:cNvSpPr>
-          <p:nvPr>
-            <p:ph type="title"/>
-          </p:nvPr>
-        </p:nvSpPr>
-        <p:spPr/>
-        <p:txBody>
-          <a:bodyPr/>
-          <a:lstStyle/>
-          <a:p>
-            <a:r>
-              <a:rPr lang="en-US" altLang="zh-TW" dirty="0" smtClean="0"/>
-              <a:t>Included articles</a:t>
-            </a:r>
-            <a:endParaRPr lang="zh-TW" altLang="en-US" dirty="0"/>
-          </a:p>
-        </p:txBody>
-      </p:sp>
-      <p:sp>
-        <p:nvSpPr>
-          <p:cNvPr id="3" name="內容版面配置區 2"/>
-          <p:cNvSpPr>
-            <a:spLocks noGrp="1"/>
-          </p:cNvSpPr>
-          <p:nvPr>
-            <p:ph idx="1"/>
-          </p:nvPr>
-        </p:nvSpPr>
-        <p:spPr/>
-        <p:txBody>
-          <a:bodyPr/>
-          <a:lstStyle/>
-          <a:p>
-            <a:endParaRPr lang="zh-TW" altLang="en-US"/>
-          </a:p>
-        </p:txBody>
-      </p:sp>
-      <p:pic>
-        <p:nvPicPr>
-          <p:cNvPr id="4" name="圖片 3"/>
-          <p:cNvPicPr>
-            <a:picLocks noChangeAspect="1"/>
-          </p:cNvPicPr>
-          <p:nvPr/>
-        </p:nvPicPr>
-        <p:blipFill>
-          <a:blip r:embed="rId2"/>
-          <a:stretch>
-            <a:fillRect/>
-          </a:stretch>
-        </p:blipFill>
-        <p:spPr>
-          <a:xfrm>
-            <a:off x="0" y="1825625"/>
-            <a:ext cx="12192000" cy="3306434"/>
-          </a:xfrm>
-          <a:prstGeom prst="rect">
-            <a:avLst/>
-          </a:prstGeom>
-        </p:spPr>
-      </p:pic>
-    </p:spTree>
-    <p:extLst>
-      <p:ext uri="{BB962C8B-B14F-4D97-AF65-F5344CB8AC3E}">
-        <p14:creationId xmlns:p14="http://schemas.microsoft.com/office/powerpoint/2010/main" val="4078398424"/>
-      </p:ext>
-    </p:extLst>
-  </p:cSld>
-  <p:clrMapOvr>
-    <a:masterClrMapping/>
-  </p:clrMapOvr>
-  <mc:AlternateContent xmlns:mc="http://schemas.openxmlformats.org/markup-compatibility/2006" xmlns:p14="http://schemas.microsoft.com/office/powerpoint/2010/main">
-    <mc:Choice Requires="p14">
-      <p:transition spd="slow" p14:dur="2000"/>
-    </mc:Choice>
-    <mc:Fallback xmlns="">
-      <p:transition spd="slow"/>
-    </mc:Fallback>
-  </mc:AlternateContent>
-  <p:timing>
-    <p:tnLst>
-      <p:par>
-        <p:cTn id="1" dur="indefinite" restart="never" nodeType="tmRoot"/>
-      </p:par>
-    </p:tnLst>
-  </p:timing>
-</p:sld>
-</file>
-
-<file path=ppt/slides/slide19.xml><?xml version="1.0" encoding="utf-8"?>
-<p:sld xmlns:a="http://schemas.openxmlformats.org/drawingml/2006/main" xmlns:r="http://schemas.openxmlformats.org/officeDocument/2006/relationships" xmlns:p="http://schemas.openxmlformats.org/presentationml/2006/main" show="0">
-  <p:cSld>
-    <p:spTree>
-      <p:nvGrpSpPr>
-        <p:cNvPr id="1" name=""/>
-        <p:cNvGrpSpPr/>
-        <p:nvPr/>
-      </p:nvGrpSpPr>
-      <p:grpSpPr>
-        <a:xfrm>
-          <a:off x="0" y="0"/>
-          <a:ext cx="0" cy="0"/>
-          <a:chOff x="0" y="0"/>
-          <a:chExt cx="0" cy="0"/>
-        </a:xfrm>
-      </p:grpSpPr>
-      <p:sp>
-        <p:nvSpPr>
-          <p:cNvPr id="2" name="標題 1"/>
-          <p:cNvSpPr>
-            <a:spLocks noGrp="1"/>
-          </p:cNvSpPr>
-          <p:nvPr>
-            <p:ph type="title"/>
-          </p:nvPr>
-        </p:nvSpPr>
-        <p:spPr/>
-        <p:txBody>
-          <a:bodyPr/>
-          <a:lstStyle/>
-          <a:p>
-            <a:r>
-              <a:rPr lang="en-US" altLang="zh-TW" dirty="0" smtClean="0"/>
-              <a:t>Screening</a:t>
-            </a:r>
-            <a:endParaRPr lang="zh-TW" altLang="en-US" dirty="0"/>
-          </a:p>
-        </p:txBody>
-      </p:sp>
-      <p:sp>
-        <p:nvSpPr>
-          <p:cNvPr id="3" name="內容版面配置區 2"/>
-          <p:cNvSpPr>
-            <a:spLocks noGrp="1"/>
-          </p:cNvSpPr>
-          <p:nvPr>
-            <p:ph idx="1"/>
-          </p:nvPr>
-        </p:nvSpPr>
-        <p:spPr/>
-        <p:txBody>
-          <a:bodyPr/>
-          <a:lstStyle/>
-          <a:p>
-            <a:r>
-              <a:rPr lang="en-US" altLang="zh-TW" dirty="0" err="1" smtClean="0"/>
-              <a:t>ChatGPT</a:t>
-            </a:r>
-            <a:r>
-              <a:rPr lang="en-US" altLang="zh-TW" dirty="0" smtClean="0"/>
-              <a:t> 4o </a:t>
-            </a:r>
-            <a:r>
-              <a:rPr lang="en-US" altLang="zh-TW" dirty="0"/>
-              <a:t>categorized articles: </a:t>
-            </a:r>
-            <a:r>
-              <a:rPr lang="en-US" altLang="zh-TW" dirty="0" smtClean="0">
-                <a:solidFill>
-                  <a:srgbClr val="0070C0"/>
-                </a:solidFill>
-              </a:rPr>
-              <a:t>Categorized_Articles.csv</a:t>
-            </a:r>
-          </a:p>
-          <a:p>
-            <a:r>
-              <a:rPr lang="en-US" altLang="zh-TW" dirty="0" smtClean="0"/>
-              <a:t>Included articles: 297 records. </a:t>
-            </a:r>
-            <a:r>
-              <a:rPr lang="en-US" altLang="zh-TW" dirty="0">
-                <a:solidFill>
-                  <a:srgbClr val="0070C0"/>
-                </a:solidFill>
-              </a:rPr>
-              <a:t>Included - Categorized_Articles.csv</a:t>
-            </a:r>
-            <a:endParaRPr lang="zh-TW" altLang="en-US" dirty="0">
-              <a:solidFill>
-                <a:srgbClr val="0070C0"/>
-              </a:solidFill>
-            </a:endParaRPr>
-          </a:p>
-        </p:txBody>
-      </p:sp>
-    </p:spTree>
-    <p:extLst>
-      <p:ext uri="{BB962C8B-B14F-4D97-AF65-F5344CB8AC3E}">
-        <p14:creationId xmlns:p14="http://schemas.microsoft.com/office/powerpoint/2010/main" val="2837860510"/>
-      </p:ext>
-    </p:extLst>
-  </p:cSld>
-  <p:clrMapOvr>
-    <a:masterClrMapping/>
-  </p:clrMapOvr>
-  <mc:AlternateContent xmlns:mc="http://schemas.openxmlformats.org/markup-compatibility/2006" xmlns:p14="http://schemas.microsoft.com/office/powerpoint/2010/main">
-    <mc:Choice Requires="p14">
-      <p:transition spd="slow" p14:dur="2000"/>
-    </mc:Choice>
-    <mc:Fallback xmlns="">
-      <p:transition spd="slow"/>
-    </mc:Fallback>
-  </mc:AlternateContent>
-  <p:timing>
-    <p:tnLst>
-      <p:par>
-        <p:cTn id="1" dur="indefinite" restart="never" nodeType="tmRoot"/>
-      </p:par>
-    </p:tnLst>
-  </p:timing>
 </p:sld>
 </file>
 
@@ -4409,7 +3659,15 @@
             </a:pPr>
             <a:r>
               <a:rPr lang="en-US" altLang="zh-TW" i="1" dirty="0"/>
-              <a:t>How does estrogen modulate immune function, and what is its role in preventing autoimmune diseases in at-risk populations?</a:t>
+              <a:t>How does estrogen modulate immune function, and what is its role in preventing </a:t>
+            </a:r>
+            <a:r>
+              <a:rPr lang="en-US" altLang="zh-TW" i="1" dirty="0" smtClean="0"/>
+              <a:t>multiple sclerosis in </a:t>
+            </a:r>
+            <a:r>
+              <a:rPr lang="en-US" altLang="zh-TW" i="1" dirty="0"/>
+              <a:t>at-risk populations?</a:t>
             </a:r>
             <a:endParaRPr lang="zh-TW" altLang="zh-TW" dirty="0"/>
           </a:p>
@@ -4421,7 +3679,31 @@
             </a:r>
             <a:r>
               <a:rPr lang="en-US" altLang="zh-TW" dirty="0"/>
-              <a:t>: Individuals with autoimmune diseases or at risk.</a:t>
+              <a:t>: </a:t>
+            </a:r>
+            <a:r>
+              <a:rPr lang="en-US" altLang="zh-TW" dirty="0" err="1" smtClean="0"/>
+              <a:t>Perimenopause</a:t>
+            </a:r>
+            <a:r>
+              <a:rPr lang="en-US" altLang="zh-TW" dirty="0" smtClean="0"/>
+              <a:t> (35-65) women </a:t>
+            </a:r>
+            <a:r>
+              <a:rPr lang="en-US" altLang="zh-TW" dirty="0"/>
+              <a:t>with </a:t>
+            </a:r>
+            <a:r>
+              <a:rPr lang="en-US" altLang="zh-TW" dirty="0" smtClean="0"/>
+              <a:t>multiple sclerosis or </a:t>
+            </a:r>
+            <a:r>
+              <a:rPr lang="en-US" altLang="zh-TW" dirty="0"/>
+              <a:t>at </a:t>
+            </a:r>
+            <a:r>
+              <a:rPr lang="en-US" altLang="zh-TW" dirty="0" smtClean="0"/>
+              <a:t>risk.</a:t>
             </a:r>
             <a:endParaRPr lang="zh-TW" altLang="zh-TW" dirty="0"/>
           </a:p>
@@ -4466,701 +3748,6 @@
     <p:extLst>
       <p:ext uri="{BB962C8B-B14F-4D97-AF65-F5344CB8AC3E}">
         <p14:creationId xmlns:p14="http://schemas.microsoft.com/office/powerpoint/2010/main" val="1181919533"/>
-      </p:ext>
-    </p:extLst>
-  </p:cSld>
-  <p:clrMapOvr>
-    <a:masterClrMapping/>
-  </p:clrMapOvr>
-  <p:timing>
-    <p:tnLst>
-      <p:par>
-        <p:cTn id="1" dur="indefinite" restart="never" nodeType="tmRoot"/>
-      </p:par>
-    </p:tnLst>
-  </p:timing>
-</p:sld>
-</file>
-
-<file path=ppt/slides/slide20.xml><?xml version="1.0" encoding="utf-8"?>
-<p:sld xmlns:a="http://schemas.openxmlformats.org/drawingml/2006/main" xmlns:r="http://schemas.openxmlformats.org/officeDocument/2006/relationships" xmlns:p="http://schemas.openxmlformats.org/presentationml/2006/main" show="0">
-  <p:cSld>
-    <p:spTree>
-      <p:nvGrpSpPr>
-        <p:cNvPr id="1" name=""/>
-        <p:cNvGrpSpPr/>
-        <p:nvPr/>
-      </p:nvGrpSpPr>
-      <p:grpSpPr>
-        <a:xfrm>
-          <a:off x="0" y="0"/>
-          <a:ext cx="0" cy="0"/>
-          <a:chOff x="0" y="0"/>
-          <a:chExt cx="0" cy="0"/>
-        </a:xfrm>
-      </p:grpSpPr>
-      <p:sp>
-        <p:nvSpPr>
-          <p:cNvPr id="2" name="標題 1"/>
-          <p:cNvSpPr>
-            <a:spLocks noGrp="1"/>
-          </p:cNvSpPr>
-          <p:nvPr>
-            <p:ph type="title"/>
-          </p:nvPr>
-        </p:nvSpPr>
-        <p:spPr/>
-        <p:txBody>
-          <a:bodyPr/>
-          <a:lstStyle/>
-          <a:p>
-            <a:r>
-              <a:rPr lang="en-US" altLang="zh-TW" dirty="0"/>
-              <a:t>Included articles</a:t>
-            </a:r>
-            <a:endParaRPr lang="zh-TW" altLang="en-US" dirty="0"/>
-          </a:p>
-        </p:txBody>
-      </p:sp>
-      <p:pic>
-        <p:nvPicPr>
-          <p:cNvPr id="4" name="內容版面配置區 3"/>
-          <p:cNvPicPr>
-            <a:picLocks noGrp="1" noChangeAspect="1"/>
-          </p:cNvPicPr>
-          <p:nvPr>
-            <p:ph idx="1"/>
-          </p:nvPr>
-        </p:nvPicPr>
-        <p:blipFill>
-          <a:blip r:embed="rId2"/>
-          <a:stretch>
-            <a:fillRect/>
-          </a:stretch>
-        </p:blipFill>
-        <p:spPr>
-          <a:xfrm>
-            <a:off x="838200" y="1861460"/>
-            <a:ext cx="10515600" cy="4279668"/>
-          </a:xfrm>
-          <a:prstGeom prst="rect">
-            <a:avLst/>
-          </a:prstGeom>
-        </p:spPr>
-      </p:pic>
-    </p:spTree>
-    <p:extLst>
-      <p:ext uri="{BB962C8B-B14F-4D97-AF65-F5344CB8AC3E}">
-        <p14:creationId xmlns:p14="http://schemas.microsoft.com/office/powerpoint/2010/main" val="1001068704"/>
-      </p:ext>
-    </p:extLst>
-  </p:cSld>
-  <p:clrMapOvr>
-    <a:masterClrMapping/>
-  </p:clrMapOvr>
-  <mc:AlternateContent xmlns:mc="http://schemas.openxmlformats.org/markup-compatibility/2006" xmlns:p14="http://schemas.microsoft.com/office/powerpoint/2010/main">
-    <mc:Choice Requires="p14">
-      <p:transition spd="slow" p14:dur="2000"/>
-    </mc:Choice>
-    <mc:Fallback xmlns="">
-      <p:transition spd="slow"/>
-    </mc:Fallback>
-  </mc:AlternateContent>
-  <p:timing>
-    <p:tnLst>
-      <p:par>
-        <p:cTn id="1" dur="indefinite" restart="never" nodeType="tmRoot"/>
-      </p:par>
-    </p:tnLst>
-  </p:timing>
-</p:sld>
-</file>
-
-<file path=ppt/slides/slide21.xml><?xml version="1.0" encoding="utf-8"?>
-<p:sld xmlns:a="http://schemas.openxmlformats.org/drawingml/2006/main" xmlns:r="http://schemas.openxmlformats.org/officeDocument/2006/relationships" xmlns:p="http://schemas.openxmlformats.org/presentationml/2006/main" show="0">
-  <p:cSld>
-    <p:spTree>
-      <p:nvGrpSpPr>
-        <p:cNvPr id="1" name=""/>
-        <p:cNvGrpSpPr/>
-        <p:nvPr/>
-      </p:nvGrpSpPr>
-      <p:grpSpPr>
-        <a:xfrm>
-          <a:off x="0" y="0"/>
-          <a:ext cx="0" cy="0"/>
-          <a:chOff x="0" y="0"/>
-          <a:chExt cx="0" cy="0"/>
-        </a:xfrm>
-      </p:grpSpPr>
-      <p:sp>
-        <p:nvSpPr>
-          <p:cNvPr id="2" name="標題 1"/>
-          <p:cNvSpPr>
-            <a:spLocks noGrp="1"/>
-          </p:cNvSpPr>
-          <p:nvPr>
-            <p:ph type="title"/>
-          </p:nvPr>
-        </p:nvSpPr>
-        <p:spPr/>
-        <p:txBody>
-          <a:bodyPr/>
-          <a:lstStyle/>
-          <a:p>
-            <a:r>
-              <a:rPr lang="en-US" altLang="zh-TW" dirty="0"/>
-              <a:t>PRISMA Flow Diagram</a:t>
-            </a:r>
-            <a:endParaRPr lang="zh-TW" altLang="en-US" dirty="0"/>
-          </a:p>
-        </p:txBody>
-      </p:sp>
-      <p:pic>
-        <p:nvPicPr>
-          <p:cNvPr id="4" name="內容版面配置區 3"/>
-          <p:cNvPicPr>
-            <a:picLocks noGrp="1" noChangeAspect="1"/>
-          </p:cNvPicPr>
-          <p:nvPr>
-            <p:ph idx="1"/>
-          </p:nvPr>
-        </p:nvPicPr>
-        <p:blipFill>
-          <a:blip r:embed="rId2">
-            <a:extLst>
-              <a:ext uri="{28A0092B-C50C-407E-A947-70E740481C1C}">
-                <a14:useLocalDpi xmlns:a14="http://schemas.microsoft.com/office/drawing/2010/main" val="0"/>
-              </a:ext>
-            </a:extLst>
-          </a:blip>
-          <a:stretch>
-            <a:fillRect/>
-          </a:stretch>
-        </p:blipFill>
-        <p:spPr>
-          <a:xfrm>
-            <a:off x="3837233" y="1825625"/>
-            <a:ext cx="4517534" cy="4351338"/>
-          </a:xfrm>
-        </p:spPr>
-      </p:pic>
-    </p:spTree>
-    <p:extLst>
-      <p:ext uri="{BB962C8B-B14F-4D97-AF65-F5344CB8AC3E}">
-        <p14:creationId xmlns:p14="http://schemas.microsoft.com/office/powerpoint/2010/main" val="528235130"/>
-      </p:ext>
-    </p:extLst>
-  </p:cSld>
-  <p:clrMapOvr>
-    <a:masterClrMapping/>
-  </p:clrMapOvr>
-  <mc:AlternateContent xmlns:mc="http://schemas.openxmlformats.org/markup-compatibility/2006" xmlns:p14="http://schemas.microsoft.com/office/powerpoint/2010/main">
-    <mc:Choice Requires="p14">
-      <p:transition spd="slow" p14:dur="2000"/>
-    </mc:Choice>
-    <mc:Fallback xmlns="">
-      <p:transition spd="slow"/>
-    </mc:Fallback>
-  </mc:AlternateContent>
-  <p:timing>
-    <p:tnLst>
-      <p:par>
-        <p:cTn id="1" dur="indefinite" restart="never" nodeType="tmRoot"/>
-      </p:par>
-    </p:tnLst>
-  </p:timing>
-</p:sld>
-</file>
-
-<file path=ppt/slides/slide22.xml><?xml version="1.0" encoding="utf-8"?>
-<p:sld xmlns:a="http://schemas.openxmlformats.org/drawingml/2006/main" xmlns:r="http://schemas.openxmlformats.org/officeDocument/2006/relationships" xmlns:p="http://schemas.openxmlformats.org/presentationml/2006/main">
-  <p:cSld>
-    <p:spTree>
-      <p:nvGrpSpPr>
-        <p:cNvPr id="1" name=""/>
-        <p:cNvGrpSpPr/>
-        <p:nvPr/>
-      </p:nvGrpSpPr>
-      <p:grpSpPr>
-        <a:xfrm>
-          <a:off x="0" y="0"/>
-          <a:ext cx="0" cy="0"/>
-          <a:chOff x="0" y="0"/>
-          <a:chExt cx="0" cy="0"/>
-        </a:xfrm>
-      </p:grpSpPr>
-      <p:sp>
-        <p:nvSpPr>
-          <p:cNvPr id="2" name="標題 1"/>
-          <p:cNvSpPr>
-            <a:spLocks noGrp="1"/>
-          </p:cNvSpPr>
-          <p:nvPr>
-            <p:ph type="title"/>
-          </p:nvPr>
-        </p:nvSpPr>
-        <p:spPr/>
-        <p:txBody>
-          <a:bodyPr/>
-          <a:lstStyle/>
-          <a:p>
-            <a:r>
-              <a:rPr lang="en-US" altLang="zh-TW" dirty="0" smtClean="0"/>
-              <a:t>Automatic exclusion</a:t>
-            </a:r>
-            <a:endParaRPr lang="zh-TW" altLang="en-US" dirty="0"/>
-          </a:p>
-        </p:txBody>
-      </p:sp>
-      <p:sp>
-        <p:nvSpPr>
-          <p:cNvPr id="3" name="內容版面配置區 2"/>
-          <p:cNvSpPr>
-            <a:spLocks noGrp="1"/>
-          </p:cNvSpPr>
-          <p:nvPr>
-            <p:ph idx="1"/>
-          </p:nvPr>
-        </p:nvSpPr>
-        <p:spPr/>
-        <p:txBody>
-          <a:bodyPr/>
-          <a:lstStyle/>
-          <a:p>
-            <a:r>
-              <a:rPr lang="en-US" altLang="zh-TW" dirty="0" smtClean="0"/>
-              <a:t>Automation tool: </a:t>
-            </a:r>
-            <a:r>
-              <a:rPr lang="en-US" altLang="zh-TW" dirty="0" err="1" smtClean="0"/>
-              <a:t>ChatGPT</a:t>
-            </a:r>
-            <a:r>
-              <a:rPr lang="en-US" altLang="zh-TW" dirty="0" smtClean="0"/>
-              <a:t> 4o</a:t>
-            </a:r>
-          </a:p>
-          <a:p>
-            <a:r>
-              <a:rPr lang="en-US" altLang="zh-TW" dirty="0" smtClean="0"/>
-              <a:t>Prompt: Review study titles to exclude obvious non-relevant topics.</a:t>
-            </a:r>
-          </a:p>
-          <a:p>
-            <a:r>
-              <a:rPr lang="en-US" altLang="zh-TW" dirty="0" smtClean="0"/>
-              <a:t>Not excluded: </a:t>
-            </a:r>
-            <a:r>
-              <a:rPr lang="en-US" altLang="zh-TW" dirty="0" smtClean="0">
-                <a:solidFill>
-                  <a:srgbClr val="0070C0"/>
-                </a:solidFill>
-              </a:rPr>
-              <a:t>Relevant_Articles_for_Review.csv</a:t>
-            </a:r>
-          </a:p>
-          <a:p>
-            <a:r>
-              <a:rPr lang="en-US" altLang="zh-TW" dirty="0" smtClean="0"/>
-              <a:t>2617 articles</a:t>
-            </a:r>
-            <a:endParaRPr lang="zh-TW" altLang="en-US" dirty="0"/>
-          </a:p>
-        </p:txBody>
-      </p:sp>
-    </p:spTree>
-    <p:extLst>
-      <p:ext uri="{BB962C8B-B14F-4D97-AF65-F5344CB8AC3E}">
-        <p14:creationId xmlns:p14="http://schemas.microsoft.com/office/powerpoint/2010/main" val="149110785"/>
-      </p:ext>
-    </p:extLst>
-  </p:cSld>
-  <p:clrMapOvr>
-    <a:masterClrMapping/>
-  </p:clrMapOvr>
-  <p:timing>
-    <p:tnLst>
-      <p:par>
-        <p:cTn id="1" dur="indefinite" restart="never" nodeType="tmRoot"/>
-      </p:par>
-    </p:tnLst>
-  </p:timing>
-</p:sld>
-</file>
-
-<file path=ppt/slides/slide23.xml><?xml version="1.0" encoding="utf-8"?>
-<p:sld xmlns:a="http://schemas.openxmlformats.org/drawingml/2006/main" xmlns:r="http://schemas.openxmlformats.org/officeDocument/2006/relationships" xmlns:p="http://schemas.openxmlformats.org/presentationml/2006/main">
-  <p:cSld>
-    <p:spTree>
-      <p:nvGrpSpPr>
-        <p:cNvPr id="1" name=""/>
-        <p:cNvGrpSpPr/>
-        <p:nvPr/>
-      </p:nvGrpSpPr>
-      <p:grpSpPr>
-        <a:xfrm>
-          <a:off x="0" y="0"/>
-          <a:ext cx="0" cy="0"/>
-          <a:chOff x="0" y="0"/>
-          <a:chExt cx="0" cy="0"/>
-        </a:xfrm>
-      </p:grpSpPr>
-      <p:sp>
-        <p:nvSpPr>
-          <p:cNvPr id="2" name="標題 1"/>
-          <p:cNvSpPr>
-            <a:spLocks noGrp="1"/>
-          </p:cNvSpPr>
-          <p:nvPr>
-            <p:ph type="title"/>
-          </p:nvPr>
-        </p:nvSpPr>
-        <p:spPr/>
-        <p:txBody>
-          <a:bodyPr/>
-          <a:lstStyle/>
-          <a:p>
-            <a:r>
-              <a:rPr lang="en-US" altLang="zh-TW" dirty="0" smtClean="0"/>
-              <a:t>PRISMA Flow Diagram</a:t>
-            </a:r>
-            <a:endParaRPr lang="zh-TW" altLang="en-US" dirty="0"/>
-          </a:p>
-        </p:txBody>
-      </p:sp>
-      <p:pic>
-        <p:nvPicPr>
-          <p:cNvPr id="4" name="內容版面配置區 3"/>
-          <p:cNvPicPr>
-            <a:picLocks noGrp="1" noChangeAspect="1"/>
-          </p:cNvPicPr>
-          <p:nvPr>
-            <p:ph idx="1"/>
-          </p:nvPr>
-        </p:nvPicPr>
-        <p:blipFill>
-          <a:blip r:embed="rId2">
-            <a:extLst>
-              <a:ext uri="{28A0092B-C50C-407E-A947-70E740481C1C}">
-                <a14:useLocalDpi xmlns:a14="http://schemas.microsoft.com/office/drawing/2010/main" val="0"/>
-              </a:ext>
-            </a:extLst>
-          </a:blip>
-          <a:stretch>
-            <a:fillRect/>
-          </a:stretch>
-        </p:blipFill>
-        <p:spPr>
-          <a:xfrm>
-            <a:off x="3970101" y="1825625"/>
-            <a:ext cx="4251797" cy="4351338"/>
-          </a:xfrm>
-        </p:spPr>
-      </p:pic>
-    </p:spTree>
-    <p:extLst>
-      <p:ext uri="{BB962C8B-B14F-4D97-AF65-F5344CB8AC3E}">
-        <p14:creationId xmlns:p14="http://schemas.microsoft.com/office/powerpoint/2010/main" val="2799957991"/>
-      </p:ext>
-    </p:extLst>
-  </p:cSld>
-  <p:clrMapOvr>
-    <a:masterClrMapping/>
-  </p:clrMapOvr>
-  <p:timing>
-    <p:tnLst>
-      <p:par>
-        <p:cTn id="1" dur="indefinite" restart="never" nodeType="tmRoot"/>
-      </p:par>
-    </p:tnLst>
-  </p:timing>
-</p:sld>
-</file>
-
-<file path=ppt/slides/slide24.xml><?xml version="1.0" encoding="utf-8"?>
-<p:sld xmlns:a="http://schemas.openxmlformats.org/drawingml/2006/main" xmlns:r="http://schemas.openxmlformats.org/officeDocument/2006/relationships" xmlns:p="http://schemas.openxmlformats.org/presentationml/2006/main">
-  <p:cSld>
-    <p:spTree>
-      <p:nvGrpSpPr>
-        <p:cNvPr id="1" name=""/>
-        <p:cNvGrpSpPr/>
-        <p:nvPr/>
-      </p:nvGrpSpPr>
-      <p:grpSpPr>
-        <a:xfrm>
-          <a:off x="0" y="0"/>
-          <a:ext cx="0" cy="0"/>
-          <a:chOff x="0" y="0"/>
-          <a:chExt cx="0" cy="0"/>
-        </a:xfrm>
-      </p:grpSpPr>
-      <p:sp>
-        <p:nvSpPr>
-          <p:cNvPr id="2" name="標題 1"/>
-          <p:cNvSpPr>
-            <a:spLocks noGrp="1"/>
-          </p:cNvSpPr>
-          <p:nvPr>
-            <p:ph type="title"/>
-          </p:nvPr>
-        </p:nvSpPr>
-        <p:spPr/>
-        <p:txBody>
-          <a:bodyPr/>
-          <a:lstStyle/>
-          <a:p>
-            <a:r>
-              <a:rPr lang="en-US" altLang="zh-TW" dirty="0" smtClean="0"/>
-              <a:t>Included articles</a:t>
-            </a:r>
-            <a:endParaRPr lang="zh-TW" altLang="en-US" dirty="0"/>
-          </a:p>
-        </p:txBody>
-      </p:sp>
-      <p:sp>
-        <p:nvSpPr>
-          <p:cNvPr id="3" name="內容版面配置區 2"/>
-          <p:cNvSpPr>
-            <a:spLocks noGrp="1"/>
-          </p:cNvSpPr>
-          <p:nvPr>
-            <p:ph idx="1"/>
-          </p:nvPr>
-        </p:nvSpPr>
-        <p:spPr/>
-        <p:txBody>
-          <a:bodyPr/>
-          <a:lstStyle/>
-          <a:p>
-            <a:r>
-              <a:rPr lang="en-US" altLang="zh-TW" dirty="0" smtClean="0"/>
-              <a:t>Included: 138 articles</a:t>
-            </a:r>
-          </a:p>
-          <a:p>
-            <a:r>
-              <a:rPr lang="en-US" altLang="zh-TW" dirty="0" smtClean="0"/>
-              <a:t>Full text</a:t>
-            </a:r>
-            <a:r>
-              <a:rPr lang="en-US" altLang="zh-TW" dirty="0"/>
-              <a:t>: </a:t>
-            </a:r>
-            <a:r>
-              <a:rPr lang="en-US" altLang="zh-TW" dirty="0">
-                <a:hlinkClick r:id="rId2"/>
-              </a:rPr>
-              <a:t>https://</a:t>
-            </a:r>
-            <a:r>
-              <a:rPr lang="en-US" altLang="zh-TW" dirty="0" smtClean="0">
-                <a:hlinkClick r:id="rId2"/>
-              </a:rPr>
-              <a:t>drive.google.com/drive/folders/1HLX0h62yaKxmXZijJbYUfb-o0R_7a9au?usp=drive_link</a:t>
-            </a:r>
-            <a:endParaRPr lang="en-US" altLang="zh-TW" dirty="0" smtClean="0"/>
-          </a:p>
-          <a:p>
-            <a:endParaRPr lang="zh-TW" altLang="en-US" dirty="0"/>
-          </a:p>
-        </p:txBody>
-      </p:sp>
-    </p:spTree>
-    <p:extLst>
-      <p:ext uri="{BB962C8B-B14F-4D97-AF65-F5344CB8AC3E}">
-        <p14:creationId xmlns:p14="http://schemas.microsoft.com/office/powerpoint/2010/main" val="3771893243"/>
-      </p:ext>
-    </p:extLst>
-  </p:cSld>
-  <p:clrMapOvr>
-    <a:masterClrMapping/>
-  </p:clrMapOvr>
-  <p:timing>
-    <p:tnLst>
-      <p:par>
-        <p:cTn id="1" dur="indefinite" restart="never" nodeType="tmRoot"/>
-      </p:par>
-    </p:tnLst>
-  </p:timing>
-</p:sld>
-</file>
-
-<file path=ppt/slides/slide25.xml><?xml version="1.0" encoding="utf-8"?>
-<p:sld xmlns:a="http://schemas.openxmlformats.org/drawingml/2006/main" xmlns:r="http://schemas.openxmlformats.org/officeDocument/2006/relationships" xmlns:p="http://schemas.openxmlformats.org/presentationml/2006/main">
-  <p:cSld>
-    <p:spTree>
-      <p:nvGrpSpPr>
-        <p:cNvPr id="1" name=""/>
-        <p:cNvGrpSpPr/>
-        <p:nvPr/>
-      </p:nvGrpSpPr>
-      <p:grpSpPr>
-        <a:xfrm>
-          <a:off x="0" y="0"/>
-          <a:ext cx="0" cy="0"/>
-          <a:chOff x="0" y="0"/>
-          <a:chExt cx="0" cy="0"/>
-        </a:xfrm>
-      </p:grpSpPr>
-      <p:sp>
-        <p:nvSpPr>
-          <p:cNvPr id="2" name="標題 1"/>
-          <p:cNvSpPr>
-            <a:spLocks noGrp="1"/>
-          </p:cNvSpPr>
-          <p:nvPr>
-            <p:ph type="title"/>
-          </p:nvPr>
-        </p:nvSpPr>
-        <p:spPr/>
-        <p:txBody>
-          <a:bodyPr/>
-          <a:lstStyle/>
-          <a:p>
-            <a:r>
-              <a:rPr lang="en-US" altLang="zh-TW" dirty="0"/>
-              <a:t>PRISMA Flow Diagram</a:t>
-            </a:r>
-            <a:endParaRPr lang="zh-TW" altLang="en-US" dirty="0"/>
-          </a:p>
-        </p:txBody>
-      </p:sp>
-      <p:pic>
-        <p:nvPicPr>
-          <p:cNvPr id="4" name="內容版面配置區 3"/>
-          <p:cNvPicPr>
-            <a:picLocks noGrp="1" noChangeAspect="1"/>
-          </p:cNvPicPr>
-          <p:nvPr>
-            <p:ph idx="1"/>
-          </p:nvPr>
-        </p:nvPicPr>
-        <p:blipFill>
-          <a:blip r:embed="rId2">
-            <a:extLst>
-              <a:ext uri="{28A0092B-C50C-407E-A947-70E740481C1C}">
-                <a14:useLocalDpi xmlns:a14="http://schemas.microsoft.com/office/drawing/2010/main" val="0"/>
-              </a:ext>
-            </a:extLst>
-          </a:blip>
-          <a:stretch>
-            <a:fillRect/>
-          </a:stretch>
-        </p:blipFill>
-        <p:spPr>
-          <a:xfrm>
-            <a:off x="3970101" y="1825625"/>
-            <a:ext cx="4251797" cy="4351338"/>
-          </a:xfrm>
-        </p:spPr>
-      </p:pic>
-    </p:spTree>
-    <p:extLst>
-      <p:ext uri="{BB962C8B-B14F-4D97-AF65-F5344CB8AC3E}">
-        <p14:creationId xmlns:p14="http://schemas.microsoft.com/office/powerpoint/2010/main" val="1711064177"/>
-      </p:ext>
-    </p:extLst>
-  </p:cSld>
-  <p:clrMapOvr>
-    <a:masterClrMapping/>
-  </p:clrMapOvr>
-  <p:timing>
-    <p:tnLst>
-      <p:par>
-        <p:cTn id="1" dur="indefinite" restart="never" nodeType="tmRoot"/>
-      </p:par>
-    </p:tnLst>
-  </p:timing>
-</p:sld>
-</file>
-
-<file path=ppt/slides/slide26.xml><?xml version="1.0" encoding="utf-8"?>
-<p:sld xmlns:a="http://schemas.openxmlformats.org/drawingml/2006/main" xmlns:r="http://schemas.openxmlformats.org/officeDocument/2006/relationships" xmlns:p="http://schemas.openxmlformats.org/presentationml/2006/main">
-  <p:cSld>
-    <p:spTree>
-      <p:nvGrpSpPr>
-        <p:cNvPr id="1" name=""/>
-        <p:cNvGrpSpPr/>
-        <p:nvPr/>
-      </p:nvGrpSpPr>
-      <p:grpSpPr>
-        <a:xfrm>
-          <a:off x="0" y="0"/>
-          <a:ext cx="0" cy="0"/>
-          <a:chOff x="0" y="0"/>
-          <a:chExt cx="0" cy="0"/>
-        </a:xfrm>
-      </p:grpSpPr>
-      <p:sp>
-        <p:nvSpPr>
-          <p:cNvPr id="2" name="標題 1"/>
-          <p:cNvSpPr>
-            <a:spLocks noGrp="1"/>
-          </p:cNvSpPr>
-          <p:nvPr>
-            <p:ph type="title"/>
-          </p:nvPr>
-        </p:nvSpPr>
-        <p:spPr/>
-        <p:txBody>
-          <a:bodyPr/>
-          <a:lstStyle/>
-          <a:p>
-            <a:r>
-              <a:rPr lang="en-US" altLang="zh-TW" dirty="0" smtClean="0"/>
-              <a:t>Acknowledgement </a:t>
-            </a:r>
-            <a:endParaRPr lang="zh-TW" altLang="en-US" dirty="0"/>
-          </a:p>
-        </p:txBody>
-      </p:sp>
-      <p:sp>
-        <p:nvSpPr>
-          <p:cNvPr id="3" name="內容版面配置區 2"/>
-          <p:cNvSpPr>
-            <a:spLocks noGrp="1"/>
-          </p:cNvSpPr>
-          <p:nvPr>
-            <p:ph idx="1"/>
-          </p:nvPr>
-        </p:nvSpPr>
-        <p:spPr/>
-        <p:txBody>
-          <a:bodyPr/>
-          <a:lstStyle/>
-          <a:p>
-            <a:r>
-              <a:rPr lang="en-US" altLang="zh-TW" dirty="0" smtClean="0"/>
-              <a:t>Ting-Zhen (Melissa) You resolved duplicated articles and organized full texts.</a:t>
-            </a:r>
-          </a:p>
-          <a:p>
-            <a:r>
-              <a:rPr lang="en-US" altLang="zh-TW" dirty="0" err="1" smtClean="0"/>
-              <a:t>Taiyou</a:t>
-            </a:r>
-            <a:r>
-              <a:rPr lang="en-US" altLang="zh-TW" dirty="0" smtClean="0"/>
-              <a:t> Lin created </a:t>
-            </a:r>
-            <a:r>
-              <a:rPr lang="en-US" altLang="zh-TW" dirty="0" err="1" smtClean="0"/>
-              <a:t>ChatGPT</a:t>
-            </a:r>
-            <a:r>
-              <a:rPr lang="en-US" altLang="zh-TW" dirty="0" smtClean="0"/>
-              <a:t> prompt.</a:t>
-            </a:r>
-            <a:endParaRPr lang="zh-TW" altLang="en-US" dirty="0"/>
-          </a:p>
-        </p:txBody>
-      </p:sp>
-    </p:spTree>
-    <p:extLst>
-      <p:ext uri="{BB962C8B-B14F-4D97-AF65-F5344CB8AC3E}">
-        <p14:creationId xmlns:p14="http://schemas.microsoft.com/office/powerpoint/2010/main" val="3399011293"/>
       </p:ext>
     </p:extLst>
   </p:cSld>
@@ -5230,7 +3817,7 @@
         <p:spPr/>
         <p:txBody>
           <a:bodyPr>
-            <a:normAutofit fontScale="92500" lnSpcReduction="20000"/>
+            <a:normAutofit fontScale="92500" lnSpcReduction="10000"/>
           </a:bodyPr>
           <a:lstStyle/>
           <a:p>
@@ -5273,39 +3860,22 @@
             <a:pPr lvl="1"/>
             <a:r>
               <a:rPr lang="en-US" altLang="zh-TW" dirty="0"/>
-              <a:t>Specific autoimmune diseases: lupus, RA, MS, </a:t>
+              <a:t>Specific autoimmune </a:t>
             </a:r>
             <a:r>
               <a:rPr lang="en-US" altLang="zh-TW" dirty="0" smtClean="0"/>
-              <a:t>GPA, psoriasis, </a:t>
-            </a:r>
-            <a:r>
-              <a:rPr lang="en-US" altLang="zh-TW" dirty="0" err="1"/>
-              <a:t>Sjögren's</a:t>
-            </a:r>
-            <a:r>
-              <a:rPr lang="en-US" altLang="zh-TW" dirty="0"/>
-              <a:t> syndrome</a:t>
-            </a:r>
+              <a:t>disease: multiple sclerosis</a:t>
+            </a:r>
+          </a:p>
+          <a:p>
+            <a:pPr lvl="1"/>
             <a:r>
               <a:rPr lang="en-US" altLang="zh-TW" dirty="0" smtClean="0"/>
-              <a:t>, </a:t>
-            </a:r>
-            <a:r>
-              <a:rPr lang="en-US" altLang="zh-TW" dirty="0" smtClean="0"/>
-              <a:t>allergy </a:t>
-            </a:r>
-            <a:r>
-              <a:rPr lang="en-US" altLang="zh-TW" dirty="0" err="1" smtClean="0"/>
-              <a:t>etc</a:t>
-            </a:r>
-            <a:endParaRPr lang="zh-TW" altLang="zh-TW" dirty="0"/>
-          </a:p>
-          <a:p>
-            <a:pPr lvl="1"/>
-            <a:r>
-              <a:rPr lang="en-US" altLang="zh-TW" dirty="0"/>
-              <a:t>Timeframe: last 10 years</a:t>
+              <a:t>Timeframe</a:t>
+            </a:r>
+            <a:r>
+              <a:rPr lang="en-US" altLang="zh-TW" dirty="0"/>
+              <a:t>: last 10 years</a:t>
             </a:r>
             <a:endParaRPr lang="zh-TW" altLang="zh-TW" dirty="0"/>
           </a:p>
@@ -5477,14 +4047,17 @@
           <a:bodyPr/>
           <a:lstStyle/>
           <a:p>
-            <a:pPr lvl="0"/>
             <a:r>
               <a:rPr lang="en-US" altLang="zh-TW" b="1" dirty="0"/>
               <a:t>PubMed</a:t>
             </a:r>
             <a:r>
               <a:rPr lang="en-US" altLang="zh-TW" dirty="0"/>
-              <a:t>: ("Estrogens"[</a:t>
+              <a:t>: </a:t>
+            </a:r>
+            <a:r>
+              <a:rPr lang="en-US" altLang="zh-TW" dirty="0"/>
+              <a:t>("Estrogens"[</a:t>
             </a:r>
             <a:r>
               <a:rPr lang="en-US" altLang="zh-TW" dirty="0" err="1"/>
@@ -5492,7 +4065,7 @@
             </a:r>
             <a:r>
               <a:rPr lang="en-US" altLang="zh-TW" dirty="0"/>
-              <a:t>] OR Estrogen) AND ("Immune System Diseases"[</a:t>
+              <a:t>] OR Estrogen) AND (MS OR “multiple sclerosis”) AND ("Hormone Replacement Therapy"[</a:t>
             </a:r>
             <a:r>
               <a:rPr lang="en-US" altLang="zh-TW" dirty="0" err="1"/>
@@ -5500,71 +4073,7 @@
             </a:r>
             <a:r>
               <a:rPr lang="en-US" altLang="zh-TW" dirty="0"/>
-              <a:t>] OR "Autoimmune diseases" OR lupus OR SLE OR </a:t>
-            </a:r>
-            <a:r>
-              <a:rPr lang="en-US" altLang="zh-TW" dirty="0" smtClean="0"/>
-              <a:t>RA OR “rheumatoid arthritis” OR MS </a:t>
-            </a:r>
-            <a:r>
-              <a:rPr lang="en-US" altLang="zh-TW" dirty="0"/>
-              <a:t>OR “multiple sclerosis” OR “GPA” OR “</a:t>
-            </a:r>
-            <a:r>
-              <a:rPr lang="en-US" altLang="zh-TW" dirty="0" err="1"/>
-              <a:t>granulomatosis</a:t>
-            </a:r>
-            <a:r>
-              <a:rPr lang="en-US" altLang="zh-TW" dirty="0"/>
-              <a:t> with </a:t>
-            </a:r>
-            <a:r>
-              <a:rPr lang="en-US" altLang="zh-TW" dirty="0" err="1"/>
-              <a:t>polyangiitis</a:t>
-            </a:r>
-            <a:r>
-              <a:rPr lang="en-US" altLang="zh-TW" dirty="0"/>
-              <a:t>” OR Wegener OR Wegener’s OR </a:t>
-            </a:r>
-            <a:r>
-              <a:rPr lang="en-US" altLang="zh-TW" dirty="0" smtClean="0"/>
-              <a:t>psoriasis OR </a:t>
-            </a:r>
-            <a:r>
-              <a:rPr lang="en-US" altLang="zh-TW" dirty="0" err="1" smtClean="0"/>
-              <a:t>Sjogren</a:t>
-            </a:r>
-            <a:r>
-              <a:rPr lang="en-US" altLang="zh-TW" dirty="0" smtClean="0"/>
-              <a:t> OR </a:t>
-            </a:r>
-            <a:r>
-              <a:rPr lang="en-US" altLang="zh-TW" dirty="0" err="1" smtClean="0"/>
-              <a:t>Sjögren</a:t>
-            </a:r>
-            <a:r>
-              <a:rPr lang="en-US" altLang="zh-TW" dirty="0" smtClean="0"/>
-              <a:t> OR </a:t>
-            </a:r>
-            <a:r>
-              <a:rPr lang="en-US" altLang="zh-TW" dirty="0" err="1" smtClean="0"/>
-              <a:t>Sjogren’s</a:t>
-            </a:r>
-            <a:r>
-              <a:rPr lang="en-US" altLang="zh-TW" dirty="0" smtClean="0"/>
-              <a:t> OR </a:t>
-            </a:r>
-            <a:r>
-              <a:rPr lang="en-US" altLang="zh-TW" dirty="0" err="1" smtClean="0"/>
-              <a:t>Sjögren’s</a:t>
-            </a:r>
-            <a:r>
-              <a:rPr lang="en-US" altLang="zh-TW" dirty="0" smtClean="0"/>
-              <a:t> OR allergy OR allergies) </a:t>
-            </a:r>
-            <a:r>
-              <a:rPr lang="en-US" altLang="zh-TW" dirty="0"/>
-              <a:t>AND ("Hormone Therapy"[</a:t>
+              <a:t>] OR “Estrogen Replacement Therapy"[</a:t>
             </a:r>
             <a:r>
               <a:rPr lang="en-US" altLang="zh-TW" dirty="0" err="1"/>
@@ -5572,7 +4081,15 @@
             </a:r>
             <a:r>
               <a:rPr lang="en-US" altLang="zh-TW" dirty="0"/>
-              <a:t>] OR Prevention)       </a:t>
+              <a:t>] OR Prevention</a:t>
+            </a:r>
+            <a:r>
+              <a:rPr lang="en-US" altLang="zh-TW" dirty="0" smtClean="0"/>
+              <a:t>)</a:t>
+            </a:r>
+            <a:r>
+              <a:rPr lang="en-US" altLang="zh-TW" dirty="0" smtClean="0"/>
+              <a:t>       </a:t>
             </a:r>
             <a:endParaRPr lang="zh-TW" altLang="zh-TW" dirty="0"/>
           </a:p>
@@ -5588,7 +4105,7 @@
             <a:pPr lvl="1"/>
             <a:r>
               <a:rPr lang="en-US" altLang="zh-TW" dirty="0" smtClean="0"/>
-              <a:t>581 </a:t>
+              <a:t>? </a:t>
             </a:r>
             <a:r>
               <a:rPr lang="en-US" altLang="zh-TW" dirty="0"/>
@@ -5694,7 +4211,11 @@
           <a:bodyPr/>
           <a:lstStyle/>
           <a:p>
-            <a:endParaRPr lang="zh-TW" altLang="en-US"/>
+            <a:r>
+              <a:rPr lang="en-US" altLang="zh-TW" dirty="0" smtClean="0"/>
+              <a:t>PubMed</a:t>
+            </a:r>
+            <a:endParaRPr lang="zh-TW" altLang="en-US" dirty="0"/>
           </a:p>
         </p:txBody>
       </p:sp>
@@ -5714,120 +4235,8 @@
           <a:lstStyle/>
           <a:p>
             <a:r>
-              <a:rPr lang="en-US" altLang="zh-TW" dirty="0"/>
-              <a:t>("Estrogens"[</a:t>
-            </a:r>
-            <a:r>
-              <a:rPr lang="en-US" altLang="zh-TW" dirty="0" err="1"/>
-              <a:t>MeSH</a:t>
-            </a:r>
-            <a:r>
-              <a:rPr lang="en-US" altLang="zh-TW" dirty="0"/>
-              <a:t>] OR Estrogen) AND ("Immune System Diseases"[</a:t>
-            </a:r>
-            <a:r>
-              <a:rPr lang="en-US" altLang="zh-TW" dirty="0" err="1"/>
-              <a:t>MeSH</a:t>
-            </a:r>
-            <a:r>
-              <a:rPr lang="en-US" altLang="zh-TW" dirty="0"/>
-              <a:t>] OR "Autoimmune diseases" OR lupus OR SLE OR RA OR “rheumatoid arthritis” OR MS OR “multiple sclerosis” OR “GPA” OR “</a:t>
-            </a:r>
-            <a:r>
-              <a:rPr lang="en-US" altLang="zh-TW" dirty="0" err="1"/>
-              <a:t>granulomatosis</a:t>
-            </a:r>
-            <a:r>
-              <a:rPr lang="en-US" altLang="zh-TW" dirty="0"/>
-              <a:t> with </a:t>
-            </a:r>
-            <a:r>
-              <a:rPr lang="en-US" altLang="zh-TW" dirty="0" err="1"/>
-              <a:t>polyangiitis</a:t>
-            </a:r>
-            <a:r>
-              <a:rPr lang="en-US" altLang="zh-TW" dirty="0"/>
-              <a:t>” OR Wegener OR Wegener’s OR psoriasis OR </a:t>
-            </a:r>
-            <a:r>
-              <a:rPr lang="en-US" altLang="zh-TW" dirty="0" err="1"/>
-              <a:t>Sjogren</a:t>
-            </a:r>
-            <a:r>
-              <a:rPr lang="en-US" altLang="zh-TW" dirty="0"/>
-              <a:t> OR </a:t>
-            </a:r>
-            <a:r>
-              <a:rPr lang="en-US" altLang="zh-TW" dirty="0" err="1"/>
-              <a:t>Sjögren</a:t>
-            </a:r>
-            <a:r>
-              <a:rPr lang="en-US" altLang="zh-TW" dirty="0"/>
-              <a:t> OR </a:t>
-            </a:r>
-            <a:r>
-              <a:rPr lang="en-US" altLang="zh-TW" dirty="0" err="1"/>
-              <a:t>Sjogren’s</a:t>
-            </a:r>
-            <a:r>
-              <a:rPr lang="en-US" altLang="zh-TW" dirty="0"/>
-              <a:t> OR </a:t>
-            </a:r>
-            <a:r>
-              <a:rPr lang="en-US" altLang="zh-TW" dirty="0" err="1"/>
-              <a:t>Sjögren’s</a:t>
-            </a:r>
-            <a:r>
-              <a:rPr lang="en-US" altLang="zh-TW" dirty="0"/>
-              <a:t> OR allergy OR allergies OR "Diabetes Mellitus, Type 1"[</a:t>
-            </a:r>
-            <a:r>
-              <a:rPr lang="en-US" altLang="zh-TW" dirty="0" err="1"/>
-              <a:t>MeSH</a:t>
-            </a:r>
-            <a:r>
-              <a:rPr lang="en-US" altLang="zh-TW" dirty="0"/>
-              <a:t>]) AND ("</a:t>
-            </a:r>
-            <a:r>
               <a:rPr lang="en-US" altLang="zh-TW" dirty="0" smtClean="0"/>
-              <a:t>Hormone Replacement </a:t>
-            </a:r>
-            <a:r>
-              <a:rPr lang="en-US" altLang="zh-TW" dirty="0"/>
-              <a:t>Therapy"[</a:t>
-            </a:r>
-            <a:r>
-              <a:rPr lang="en-US" altLang="zh-TW" dirty="0" err="1"/>
-              <a:t>MeSH</a:t>
-            </a:r>
-            <a:r>
-              <a:rPr lang="en-US" altLang="zh-TW" dirty="0"/>
-              <a:t>] </a:t>
-            </a:r>
-            <a:r>
-              <a:rPr lang="en-US" altLang="zh-TW" dirty="0" smtClean="0"/>
-              <a:t>OR “Estrogen </a:t>
-            </a:r>
-            <a:r>
-              <a:rPr lang="en-US" altLang="zh-TW" dirty="0"/>
-              <a:t>Replacement Therapy"[</a:t>
-            </a:r>
-            <a:r>
-              <a:rPr lang="en-US" altLang="zh-TW" dirty="0" err="1"/>
-              <a:t>MeSH</a:t>
-            </a:r>
-            <a:r>
-              <a:rPr lang="en-US" altLang="zh-TW" dirty="0"/>
-              <a:t>] </a:t>
-            </a:r>
-            <a:r>
-              <a:rPr lang="en-US" altLang="zh-TW" dirty="0" smtClean="0"/>
-              <a:t>OR </a:t>
-            </a:r>
-            <a:r>
-              <a:rPr lang="en-US" altLang="zh-TW" dirty="0"/>
-              <a:t>Prevention)</a:t>
+              <a:t>?</a:t>
             </a:r>
             <a:endParaRPr lang="zh-TW" altLang="en-US" dirty="0"/>
           </a:p>
@@ -5836,13 +4245,20 @@
     </p:spTree>
     <p:extLst>
       <p:ext uri="{BB962C8B-B14F-4D97-AF65-F5344CB8AC3E}">
-        <p14:creationId xmlns:p14="http://schemas.microsoft.com/office/powerpoint/2010/main" val="1760072590"/>
+        <p14:creationId xmlns:p14="http://schemas.microsoft.com/office/powerpoint/2010/main" val="566180133"/>
       </p:ext>
     </p:extLst>
   </p:cSld>
   <p:clrMapOvr>
     <a:masterClrMapping/>
   </p:clrMapOvr>
+  <p:timing>
+    <p:tnLst>
+      <p:par>
+        <p:cTn id="1" dur="indefinite" restart="never" nodeType="tmRoot"/>
+      </p:par>
+    </p:tnLst>
+  </p:timing>
 </p:sld>
 </file>
 
@@ -5879,60 +4295,160 @@
           <a:lstStyle/>
           <a:p>
             <a:r>
+              <a:rPr lang="en-US" altLang="zh-TW" b="1" dirty="0"/>
+              <a:t>Comprehensive Literature Search</a:t>
+            </a:r>
+            <a:endParaRPr lang="zh-TW" altLang="en-US" dirty="0"/>
+          </a:p>
+        </p:txBody>
+      </p:sp>
+      <p:sp>
+        <p:nvSpPr>
+          <p:cNvPr id="3" name="內容版面配置區 2"/>
+          <p:cNvSpPr>
+            <a:spLocks noGrp="1"/>
+          </p:cNvSpPr>
+          <p:nvPr>
+            <p:ph idx="1"/>
+          </p:nvPr>
+        </p:nvSpPr>
+        <p:spPr/>
+        <p:txBody>
+          <a:bodyPr/>
+          <a:lstStyle/>
+          <a:p>
+            <a:r>
+              <a:rPr lang="en-US" altLang="zh-TW" b="1" dirty="0" err="1"/>
+              <a:t>Embase</a:t>
+            </a:r>
+            <a:r>
+              <a:rPr lang="en-US" altLang="zh-TW" dirty="0"/>
+              <a:t>: ('estrogens'/</a:t>
+            </a:r>
+            <a:r>
+              <a:rPr lang="en-US" altLang="zh-TW" dirty="0" err="1"/>
+              <a:t>exp</a:t>
+            </a:r>
+            <a:r>
+              <a:rPr lang="en-US" altLang="zh-TW" dirty="0"/>
+              <a:t> OR 'estrogens' OR 'estrogen'/</a:t>
+            </a:r>
+            <a:r>
+              <a:rPr lang="en-US" altLang="zh-TW" dirty="0" err="1"/>
+              <a:t>exp</a:t>
+            </a:r>
+            <a:r>
+              <a:rPr lang="en-US" altLang="zh-TW" dirty="0"/>
+              <a:t> OR 'estrogen') AND </a:t>
+            </a:r>
+            <a:r>
               <a:rPr lang="en-US" altLang="zh-TW" dirty="0" smtClean="0"/>
-              <a:t>PubMed</a:t>
-            </a:r>
+              <a:t>('multiple </a:t>
+            </a:r>
+            <a:r>
+              <a:rPr lang="en-US" altLang="zh-TW" dirty="0"/>
+              <a:t>sclerosis' OR </a:t>
+            </a:r>
+            <a:r>
+              <a:rPr lang="en-US" altLang="zh-TW" dirty="0" smtClean="0"/>
+              <a:t>'</a:t>
+            </a:r>
+            <a:r>
+              <a:rPr lang="en-US" altLang="zh-TW" dirty="0" err="1" smtClean="0"/>
+              <a:t>ms</a:t>
+            </a:r>
+            <a:r>
+              <a:rPr lang="en-US" altLang="zh-TW" dirty="0" smtClean="0"/>
+              <a:t>') </a:t>
+            </a:r>
+            <a:r>
+              <a:rPr lang="en-US" altLang="zh-TW" dirty="0"/>
+              <a:t>AND ('hormone therapy'/</a:t>
+            </a:r>
+            <a:r>
+              <a:rPr lang="en-US" altLang="zh-TW" dirty="0" err="1"/>
+              <a:t>exp</a:t>
+            </a:r>
+            <a:r>
+              <a:rPr lang="en-US" altLang="zh-TW" dirty="0"/>
+              <a:t> OR 'hormone therapy' OR 'prevention'/</a:t>
+            </a:r>
+            <a:r>
+              <a:rPr lang="en-US" altLang="zh-TW" dirty="0" err="1"/>
+              <a:t>exp</a:t>
+            </a:r>
+            <a:r>
+              <a:rPr lang="en-US" altLang="zh-TW" dirty="0"/>
+              <a:t> OR 'prevention') AND [2015-2025]/</a:t>
+            </a:r>
+            <a:r>
+              <a:rPr lang="en-US" altLang="zh-TW" dirty="0" err="1" smtClean="0"/>
+              <a:t>py</a:t>
+            </a:r>
+            <a:endParaRPr lang="en-US" altLang="zh-TW" dirty="0" smtClean="0"/>
+          </a:p>
+          <a:p>
+            <a:pPr lvl="1"/>
+            <a:r>
+              <a:rPr lang="en-US" altLang="zh-TW" dirty="0" smtClean="0"/>
+              <a:t>? </a:t>
+            </a:r>
+            <a:r>
+              <a:rPr lang="en-US" altLang="zh-TW" dirty="0" smtClean="0"/>
+              <a:t>results:</a:t>
+            </a:r>
+            <a:r>
+              <a:rPr lang="zh-TW" altLang="en-US" dirty="0" smtClean="0"/>
+              <a:t> </a:t>
+            </a:r>
+            <a:r>
+              <a:rPr lang="en-US" altLang="zh-TW" dirty="0">
+                <a:solidFill>
+                  <a:srgbClr val="0070C0"/>
+                </a:solidFill>
+              </a:rPr>
+              <a:t>records(</a:t>
+            </a:r>
+            <a:r>
+              <a:rPr lang="en-US" altLang="zh-TW" dirty="0" err="1">
+                <a:solidFill>
+                  <a:srgbClr val="0070C0"/>
+                </a:solidFill>
+              </a:rPr>
+              <a:t>Embase</a:t>
+            </a:r>
+            <a:r>
+              <a:rPr lang="en-US" altLang="zh-TW" dirty="0">
+                <a:solidFill>
+                  <a:srgbClr val="0070C0"/>
+                </a:solidFill>
+              </a:rPr>
+              <a:t>).</a:t>
+            </a:r>
+            <a:r>
+              <a:rPr lang="en-US" altLang="zh-TW" dirty="0" err="1">
+                <a:solidFill>
+                  <a:srgbClr val="0070C0"/>
+                </a:solidFill>
+              </a:rPr>
+              <a:t>ris</a:t>
+            </a:r>
+            <a:endParaRPr lang="zh-TW" altLang="zh-TW" dirty="0">
+              <a:solidFill>
+                <a:srgbClr val="0070C0"/>
+              </a:solidFill>
+            </a:endParaRPr>
+          </a:p>
+          <a:p>
+            <a:pPr lvl="0"/>
             <a:endParaRPr lang="zh-TW" altLang="en-US" dirty="0"/>
           </a:p>
         </p:txBody>
       </p:sp>
-      <p:sp>
-        <p:nvSpPr>
-          <p:cNvPr id="3" name="內容版面配置區 2"/>
-          <p:cNvSpPr>
-            <a:spLocks noGrp="1"/>
-          </p:cNvSpPr>
-          <p:nvPr>
-            <p:ph idx="1"/>
-          </p:nvPr>
-        </p:nvSpPr>
-        <p:spPr/>
-        <p:txBody>
-          <a:bodyPr/>
-          <a:lstStyle/>
-          <a:p>
-            <a:endParaRPr lang="zh-TW" altLang="en-US"/>
-          </a:p>
-        </p:txBody>
-      </p:sp>
-      <p:pic>
-        <p:nvPicPr>
-          <p:cNvPr id="4" name="圖片 3"/>
-          <p:cNvPicPr>
-            <a:picLocks noChangeAspect="1"/>
-          </p:cNvPicPr>
-          <p:nvPr/>
-        </p:nvPicPr>
-        <p:blipFill>
-          <a:blip r:embed="rId2"/>
-          <a:stretch>
-            <a:fillRect/>
-          </a:stretch>
-        </p:blipFill>
-        <p:spPr>
-          <a:xfrm>
-            <a:off x="3623973" y="1712832"/>
-            <a:ext cx="4944054" cy="5145168"/>
-          </a:xfrm>
-          <a:prstGeom prst="rect">
-            <a:avLst/>
-          </a:prstGeom>
-        </p:spPr>
-      </p:pic>
     </p:spTree>
     <p:extLst>
       <p:ext uri="{BB962C8B-B14F-4D97-AF65-F5344CB8AC3E}">
-        <p14:creationId xmlns:p14="http://schemas.microsoft.com/office/powerpoint/2010/main" val="566180133"/>
+        <p14:creationId xmlns:p14="http://schemas.microsoft.com/office/powerpoint/2010/main" val="2495012047"/>
       </p:ext>
     </p:extLst>
   </p:cSld>
@@ -5982,8 +4498,8 @@
           <a:lstStyle/>
           <a:p>
             <a:r>
-              <a:rPr lang="en-US" altLang="zh-TW" b="1" dirty="0"/>
-              <a:t>Comprehensive Literature Search</a:t>
+              <a:rPr lang="en-US" altLang="zh-TW" dirty="0" err="1" smtClean="0"/>
+              <a:t>Embase</a:t>
             </a:r>
             <a:endParaRPr lang="zh-TW" altLang="en-US" dirty="0"/>
           </a:p>
@@ -6005,265 +4521,9 @@
           <a:lstStyle/>
           <a:p>
             <a:r>
-              <a:rPr lang="en-US" altLang="zh-TW" b="1" dirty="0" err="1"/>
-              <a:t>Embase</a:t>
-            </a:r>
-            <a:r>
-              <a:rPr lang="en-US" altLang="zh-TW" dirty="0"/>
-              <a:t>: ('estrogens'/</a:t>
-            </a:r>
-            <a:r>
-              <a:rPr lang="en-US" altLang="zh-TW" dirty="0" err="1"/>
-              <a:t>exp</a:t>
-            </a:r>
-            <a:r>
-              <a:rPr lang="en-US" altLang="zh-TW" dirty="0"/>
-              <a:t> OR 'estrogens' OR 'estrogen'/</a:t>
-            </a:r>
-            <a:r>
-              <a:rPr lang="en-US" altLang="zh-TW" dirty="0" err="1"/>
-              <a:t>exp</a:t>
-            </a:r>
-            <a:r>
-              <a:rPr lang="en-US" altLang="zh-TW" dirty="0"/>
-              <a:t> OR 'estrogen') AND ('immune system diseases'/</a:t>
-            </a:r>
-            <a:r>
-              <a:rPr lang="en-US" altLang="zh-TW" dirty="0" err="1"/>
-              <a:t>exp</a:t>
-            </a:r>
-            <a:r>
-              <a:rPr lang="en-US" altLang="zh-TW" dirty="0"/>
-              <a:t> OR 'immune system diseases' OR 'autoimmune diseases'/</a:t>
-            </a:r>
-            <a:r>
-              <a:rPr lang="en-US" altLang="zh-TW" dirty="0" err="1"/>
-              <a:t>exp</a:t>
-            </a:r>
-            <a:r>
-              <a:rPr lang="en-US" altLang="zh-TW" dirty="0"/>
-              <a:t> OR 'autoimmune diseases' OR 'lupus' OR '</a:t>
-            </a:r>
-            <a:r>
-              <a:rPr lang="en-US" altLang="zh-TW" dirty="0" err="1"/>
-              <a:t>sle</a:t>
-            </a:r>
-            <a:r>
-              <a:rPr lang="en-US" altLang="zh-TW" dirty="0"/>
-              <a:t>'/</a:t>
-            </a:r>
-            <a:r>
-              <a:rPr lang="en-US" altLang="zh-TW" dirty="0" err="1"/>
-              <a:t>exp</a:t>
-            </a:r>
-            <a:r>
-              <a:rPr lang="en-US" altLang="zh-TW" dirty="0"/>
-              <a:t> OR '</a:t>
-            </a:r>
-            <a:r>
-              <a:rPr lang="en-US" altLang="zh-TW" dirty="0" err="1"/>
-              <a:t>sle</a:t>
-            </a:r>
-            <a:r>
-              <a:rPr lang="en-US" altLang="zh-TW" dirty="0"/>
-              <a:t>' OR 'rheumatoid arthritis'/</a:t>
-            </a:r>
-            <a:r>
-              <a:rPr lang="en-US" altLang="zh-TW" dirty="0" err="1"/>
-              <a:t>exp</a:t>
-            </a:r>
-            <a:r>
-              <a:rPr lang="en-US" altLang="zh-TW" dirty="0"/>
-              <a:t> OR 'rheumatoid arthritis' OR '</a:t>
-            </a:r>
-            <a:r>
-              <a:rPr lang="en-US" altLang="zh-TW" dirty="0" err="1"/>
-              <a:t>ra</a:t>
-            </a:r>
-            <a:r>
-              <a:rPr lang="en-US" altLang="zh-TW" dirty="0"/>
-              <a:t>' OR 'multiple sclerosis'/</a:t>
-            </a:r>
-            <a:r>
-              <a:rPr lang="en-US" altLang="zh-TW" dirty="0" err="1"/>
-              <a:t>exp</a:t>
-            </a:r>
-            <a:r>
-              <a:rPr lang="en-US" altLang="zh-TW" dirty="0"/>
-              <a:t> OR 'multiple sclerosis' OR '</a:t>
-            </a:r>
-            <a:r>
-              <a:rPr lang="en-US" altLang="zh-TW" dirty="0" err="1"/>
-              <a:t>ms</a:t>
-            </a:r>
-            <a:r>
-              <a:rPr lang="en-US" altLang="zh-TW" dirty="0"/>
-              <a:t>' OR '</a:t>
-            </a:r>
-            <a:r>
-              <a:rPr lang="en-US" altLang="zh-TW" dirty="0" err="1"/>
-              <a:t>granulomatosis</a:t>
-            </a:r>
-            <a:r>
-              <a:rPr lang="en-US" altLang="zh-TW" dirty="0"/>
-              <a:t> with </a:t>
-            </a:r>
-            <a:r>
-              <a:rPr lang="en-US" altLang="zh-TW" dirty="0" err="1"/>
-              <a:t>polyangiitis</a:t>
-            </a:r>
-            <a:r>
-              <a:rPr lang="en-US" altLang="zh-TW" dirty="0"/>
-              <a:t>'/</a:t>
-            </a:r>
-            <a:r>
-              <a:rPr lang="en-US" altLang="zh-TW" dirty="0" err="1"/>
-              <a:t>exp</a:t>
-            </a:r>
-            <a:r>
-              <a:rPr lang="en-US" altLang="zh-TW" dirty="0"/>
-              <a:t> OR '</a:t>
-            </a:r>
-            <a:r>
-              <a:rPr lang="en-US" altLang="zh-TW" dirty="0" err="1"/>
-              <a:t>granulomatosis</a:t>
-            </a:r>
-            <a:r>
-              <a:rPr lang="en-US" altLang="zh-TW" dirty="0"/>
-              <a:t> with </a:t>
-            </a:r>
-            <a:r>
-              <a:rPr lang="en-US" altLang="zh-TW" dirty="0" err="1"/>
-              <a:t>polyangiitis</a:t>
-            </a:r>
-            <a:r>
-              <a:rPr lang="en-US" altLang="zh-TW" dirty="0"/>
-              <a:t>' OR '</a:t>
-            </a:r>
-            <a:r>
-              <a:rPr lang="en-US" altLang="zh-TW" dirty="0" err="1"/>
-              <a:t>wegener</a:t>
-            </a:r>
-            <a:r>
-              <a:rPr lang="en-US" altLang="zh-TW" dirty="0"/>
-              <a:t>' OR '</a:t>
-            </a:r>
-            <a:r>
-              <a:rPr lang="en-US" altLang="zh-TW" dirty="0" err="1"/>
-              <a:t>wegeners</a:t>
-            </a:r>
-            <a:r>
-              <a:rPr lang="en-US" altLang="zh-TW" dirty="0"/>
-              <a:t>' OR 'psoriasis'/</a:t>
-            </a:r>
-            <a:r>
-              <a:rPr lang="en-US" altLang="zh-TW" dirty="0" err="1"/>
-              <a:t>exp</a:t>
-            </a:r>
-            <a:r>
-              <a:rPr lang="en-US" altLang="zh-TW" dirty="0"/>
-              <a:t> OR 'psoriasis' OR '</a:t>
-            </a:r>
-            <a:r>
-              <a:rPr lang="en-US" altLang="zh-TW" dirty="0" err="1"/>
-              <a:t>sjogren</a:t>
-            </a:r>
-            <a:r>
-              <a:rPr lang="en-US" altLang="zh-TW" dirty="0"/>
-              <a:t>' OR '</a:t>
-            </a:r>
-            <a:r>
-              <a:rPr lang="en-US" altLang="zh-TW" dirty="0" err="1"/>
-              <a:t>sjögren</a:t>
-            </a:r>
-            <a:r>
-              <a:rPr lang="en-US" altLang="zh-TW" dirty="0"/>
-              <a:t>' OR 'allergy'/</a:t>
-            </a:r>
-            <a:r>
-              <a:rPr lang="en-US" altLang="zh-TW" dirty="0" err="1"/>
-              <a:t>exp</a:t>
-            </a:r>
-            <a:r>
-              <a:rPr lang="en-US" altLang="zh-TW" dirty="0"/>
-              <a:t> OR 'allergy' OR 'allergies') AND ('hormone therapy'/</a:t>
-            </a:r>
-            <a:r>
-              <a:rPr lang="en-US" altLang="zh-TW" dirty="0" err="1"/>
-              <a:t>exp</a:t>
-            </a:r>
-            <a:r>
-              <a:rPr lang="en-US" altLang="zh-TW" dirty="0"/>
-              <a:t> OR 'hormone therapy' OR 'prevention'/</a:t>
-            </a:r>
-            <a:r>
-              <a:rPr lang="en-US" altLang="zh-TW" dirty="0" err="1"/>
-              <a:t>exp</a:t>
-            </a:r>
-            <a:r>
-              <a:rPr lang="en-US" altLang="zh-TW" dirty="0"/>
-              <a:t> OR 'prevention') AND [2015-2025]/</a:t>
-            </a:r>
-            <a:r>
-              <a:rPr lang="en-US" altLang="zh-TW" dirty="0" err="1" smtClean="0"/>
-              <a:t>py</a:t>
-            </a:r>
-            <a:endParaRPr lang="en-US" altLang="zh-TW" dirty="0" smtClean="0"/>
-          </a:p>
-          <a:p>
-            <a:pPr lvl="1"/>
-            <a:r>
-              <a:rPr lang="en-US" altLang="zh-TW" dirty="0"/>
-              <a:t>3,562 </a:t>
-            </a:r>
-            <a:r>
               <a:rPr lang="en-US" altLang="zh-TW" dirty="0" smtClean="0"/>
-              <a:t>results:</a:t>
-            </a:r>
-            <a:r>
-              <a:rPr lang="zh-TW" altLang="en-US" dirty="0" smtClean="0"/>
-              <a:t> </a:t>
-            </a:r>
-            <a:r>
-              <a:rPr lang="en-US" altLang="zh-TW" dirty="0">
-                <a:solidFill>
-                  <a:srgbClr val="0070C0"/>
-                </a:solidFill>
-              </a:rPr>
-              <a:t>records(</a:t>
-            </a:r>
-            <a:r>
-              <a:rPr lang="en-US" altLang="zh-TW" dirty="0" err="1">
-                <a:solidFill>
-                  <a:srgbClr val="0070C0"/>
-                </a:solidFill>
-              </a:rPr>
-              <a:t>Embase</a:t>
-            </a:r>
-            <a:r>
-              <a:rPr lang="en-US" altLang="zh-TW" dirty="0">
-                <a:solidFill>
-                  <a:srgbClr val="0070C0"/>
-                </a:solidFill>
-              </a:rPr>
-              <a:t>).</a:t>
-            </a:r>
-            <a:r>
-              <a:rPr lang="en-US" altLang="zh-TW" dirty="0" err="1">
-                <a:solidFill>
-                  <a:srgbClr val="0070C0"/>
-                </a:solidFill>
-              </a:rPr>
-              <a:t>ris</a:t>
-            </a:r>
-            <a:endParaRPr lang="zh-TW" altLang="zh-TW" dirty="0">
-              <a:solidFill>
-                <a:srgbClr val="0070C0"/>
-              </a:solidFill>
-            </a:endParaRPr>
-          </a:p>
-          <a:p>
-            <a:pPr lvl="0"/>
+              <a:t>?</a:t>
+            </a:r>
             <a:endParaRPr lang="zh-TW" altLang="en-US" dirty="0"/>
           </a:p>
         </p:txBody>
@@ -6271,7 +4531,7 @@
     </p:spTree>
     <p:extLst>
       <p:ext uri="{BB962C8B-B14F-4D97-AF65-F5344CB8AC3E}">
-        <p14:creationId xmlns:p14="http://schemas.microsoft.com/office/powerpoint/2010/main" val="2495012047"/>
+        <p14:creationId xmlns:p14="http://schemas.microsoft.com/office/powerpoint/2010/main" val="139940586"/>
       </p:ext>
     </p:extLst>
   </p:cSld>
@@ -6321,8 +4581,8 @@
           <a:lstStyle/>
           <a:p>
             <a:r>
-              <a:rPr lang="en-US" altLang="zh-TW" dirty="0" err="1" smtClean="0"/>
-              <a:t>Embase</a:t>
+              <a:rPr lang="en-US" altLang="zh-TW" b="1" dirty="0" smtClean="0"/>
+              <a:t>Comprehensive Literature Search</a:t>
             </a:r>
             <a:endParaRPr lang="zh-TW" altLang="en-US" dirty="0"/>
           </a:p>
@@ -6340,41 +4600,183 @@
         </p:nvSpPr>
         <p:spPr/>
         <p:txBody>
-          <a:bodyPr/>
-          <a:lstStyle/>
-          <a:p>
-            <a:endParaRPr lang="zh-TW" altLang="en-US"/>
-          </a:p>
-        </p:txBody>
-      </p:sp>
-      <p:pic>
-        <p:nvPicPr>
-          <p:cNvPr id="4" name="圖片 3"/>
-          <p:cNvPicPr>
-            <a:picLocks noChangeAspect="1"/>
-          </p:cNvPicPr>
-          <p:nvPr/>
-        </p:nvPicPr>
-        <p:blipFill>
-          <a:blip r:embed="rId2"/>
-          <a:stretch>
-            <a:fillRect/>
-          </a:stretch>
-        </p:blipFill>
-        <p:spPr>
-          <a:xfrm>
-            <a:off x="1520849" y="1687636"/>
-            <a:ext cx="9150301" cy="5170364"/>
-          </a:xfrm>
-          <a:prstGeom prst="rect">
-            <a:avLst/>
-          </a:prstGeom>
-        </p:spPr>
-      </p:pic>
+          <a:bodyPr>
+            <a:normAutofit/>
+          </a:bodyPr>
+          <a:lstStyle/>
+          <a:p>
+            <a:pPr lvl="0"/>
+            <a:r>
+              <a:rPr lang="en-US" altLang="zh-TW" b="1" dirty="0"/>
+              <a:t>Cochrane Library</a:t>
+            </a:r>
+            <a:r>
+              <a:rPr lang="en-US" altLang="zh-TW" dirty="0"/>
+              <a:t>: (Estrogens OR Estrogen) AND </a:t>
+            </a:r>
+            <a:r>
+              <a:rPr lang="en-US" altLang="zh-TW" dirty="0" smtClean="0"/>
+              <a:t>(MS OR “</a:t>
+            </a:r>
+            <a:r>
+              <a:rPr lang="en-US" altLang="zh-TW" dirty="0"/>
+              <a:t>multiple sclerosis</a:t>
+            </a:r>
+            <a:r>
+              <a:rPr lang="en-US" altLang="zh-TW" dirty="0" smtClean="0"/>
+              <a:t>”) </a:t>
+            </a:r>
+            <a:r>
+              <a:rPr lang="en-US" altLang="zh-TW" dirty="0"/>
+              <a:t>AND ("Hormone Therapy" OR Prevention)      </a:t>
+            </a:r>
+            <a:endParaRPr lang="zh-TW" altLang="zh-TW" dirty="0"/>
+          </a:p>
+          <a:p>
+            <a:pPr lvl="1"/>
+            <a:r>
+              <a:rPr lang="en-US" altLang="zh-TW" dirty="0"/>
+              <a:t>with Cochrane Library publication date from Jan 2015 to present, (Word variations have been searched)</a:t>
+            </a:r>
+            <a:endParaRPr lang="zh-TW" altLang="zh-TW" dirty="0"/>
+          </a:p>
+          <a:p>
+            <a:pPr lvl="1"/>
+            <a:r>
+              <a:rPr lang="en-US" altLang="zh-TW" dirty="0"/>
+              <a:t>?</a:t>
+            </a:r>
+            <a:r>
+              <a:rPr lang="en-US" altLang="zh-TW" dirty="0" smtClean="0"/>
+              <a:t> </a:t>
+            </a:r>
+            <a:r>
+              <a:rPr lang="en-US" altLang="zh-TW" dirty="0"/>
+              <a:t>Cochrane Reviews: </a:t>
+            </a:r>
+            <a:r>
+              <a:rPr lang="en-US" altLang="zh-TW" dirty="0">
+                <a:solidFill>
+                  <a:srgbClr val="0070C0"/>
+                </a:solidFill>
+              </a:rPr>
+              <a:t>citation-export (Cochrane Review).</a:t>
+            </a:r>
+            <a:r>
+              <a:rPr lang="en-US" altLang="zh-TW" dirty="0" err="1">
+                <a:solidFill>
+                  <a:srgbClr val="0070C0"/>
+                </a:solidFill>
+              </a:rPr>
+              <a:t>ris</a:t>
+            </a:r>
+            <a:endParaRPr lang="zh-TW" altLang="zh-TW" dirty="0">
+              <a:solidFill>
+                <a:srgbClr val="0070C0"/>
+              </a:solidFill>
+            </a:endParaRPr>
+          </a:p>
+          <a:p>
+            <a:pPr lvl="1"/>
+            <a:r>
+              <a:rPr lang="en-US" altLang="zh-TW" dirty="0"/>
+              <a:t>?</a:t>
+            </a:r>
+            <a:r>
+              <a:rPr lang="en-US" altLang="zh-TW" dirty="0" smtClean="0"/>
+              <a:t> </a:t>
+            </a:r>
+            <a:r>
+              <a:rPr lang="en-US" altLang="zh-TW" dirty="0" smtClean="0"/>
+              <a:t>Trials: </a:t>
+            </a:r>
+            <a:r>
+              <a:rPr lang="en-US" altLang="zh-TW" dirty="0">
+                <a:solidFill>
+                  <a:srgbClr val="0070C0"/>
+                </a:solidFill>
+              </a:rPr>
+              <a:t>citation-exports(</a:t>
+            </a:r>
+            <a:r>
+              <a:rPr lang="en-US" altLang="zh-TW" dirty="0" err="1">
+                <a:solidFill>
+                  <a:srgbClr val="0070C0"/>
+                </a:solidFill>
+              </a:rPr>
+              <a:t>CochraneTrials</a:t>
+            </a:r>
+            <a:r>
+              <a:rPr lang="en-US" altLang="zh-TW" dirty="0">
+                <a:solidFill>
+                  <a:srgbClr val="0070C0"/>
+                </a:solidFill>
+              </a:rPr>
+              <a:t>).</a:t>
+            </a:r>
+            <a:r>
+              <a:rPr lang="en-US" altLang="zh-TW" dirty="0" err="1">
+                <a:solidFill>
+                  <a:srgbClr val="0070C0"/>
+                </a:solidFill>
+              </a:rPr>
+              <a:t>ris</a:t>
+            </a:r>
+            <a:endParaRPr lang="en-US" altLang="zh-TW" dirty="0" smtClean="0">
+              <a:solidFill>
+                <a:srgbClr val="0070C0"/>
+              </a:solidFill>
+            </a:endParaRPr>
+          </a:p>
+          <a:p>
+            <a:r>
+              <a:rPr lang="en-US" altLang="zh-TW" b="1" dirty="0"/>
+              <a:t>0</a:t>
+            </a:r>
+            <a:r>
+              <a:rPr lang="en-US" altLang="zh-TW" dirty="0"/>
+              <a:t> results matching </a:t>
+            </a:r>
+            <a:r>
+              <a:rPr lang="en-US" altLang="zh-TW" b="1" dirty="0"/>
+              <a:t>'</a:t>
+            </a:r>
+            <a:r>
+              <a:rPr lang="en-US" altLang="zh-TW" b="1" u="sng" dirty="0"/>
+              <a:t>Intervention</a:t>
+            </a:r>
+            <a:r>
+              <a:rPr lang="en-US" altLang="zh-TW" b="1" dirty="0"/>
+              <a:t> "Estrogens" AND </a:t>
+            </a:r>
+            <a:r>
+              <a:rPr lang="en-US" altLang="zh-TW" b="1" u="sng" dirty="0"/>
+              <a:t>Outcome</a:t>
+            </a:r>
+            <a:r>
+              <a:rPr lang="en-US" altLang="zh-TW" b="1" dirty="0"/>
+              <a:t> </a:t>
+            </a:r>
+            <a:r>
+              <a:rPr lang="en-US" altLang="zh-TW" b="1" dirty="0" smtClean="0"/>
+              <a:t>("</a:t>
+            </a:r>
+            <a:r>
+              <a:rPr lang="en-US" altLang="zh-TW" b="1" dirty="0"/>
+              <a:t>Multiple Sclerosis</a:t>
+            </a:r>
+            <a:r>
+              <a:rPr lang="en-US" altLang="zh-TW" b="1" dirty="0" smtClean="0"/>
+              <a:t>")'</a:t>
+            </a:r>
+            <a:endParaRPr lang="en-US" altLang="zh-TW" dirty="0" smtClean="0"/>
+          </a:p>
+        </p:txBody>
+      </p:sp>
     </p:spTree>
     <p:extLst>
       <p:ext uri="{BB962C8B-B14F-4D97-AF65-F5344CB8AC3E}">
-        <p14:creationId xmlns:p14="http://schemas.microsoft.com/office/powerpoint/2010/main" val="139940586"/>
+        <p14:creationId xmlns:p14="http://schemas.microsoft.com/office/powerpoint/2010/main" val="1641761449"/>
       </p:ext>
     </p:extLst>
   </p:cSld>
@@ -6424,8 +4826,8 @@
           <a:lstStyle/>
           <a:p>
             <a:r>
-              <a:rPr lang="en-US" altLang="zh-TW" b="1" dirty="0" smtClean="0"/>
-              <a:t>Comprehensive Literature Search</a:t>
+              <a:rPr lang="en-US" altLang="zh-TW" dirty="0" smtClean="0"/>
+              <a:t>Cochrane Reviews</a:t>
             </a:r>
             <a:endParaRPr lang="zh-TW" altLang="en-US" dirty="0"/>
           </a:p>
@@ -6443,211 +4845,21 @@
         </p:nvSpPr>
         <p:spPr/>
         <p:txBody>
-          <a:bodyPr>
-            <a:normAutofit fontScale="92500" lnSpcReduction="10000"/>
-          </a:bodyPr>
-          <a:lstStyle/>
-          <a:p>
-            <a:pPr lvl="0"/>
-            <a:r>
-              <a:rPr lang="en-US" altLang="zh-TW" b="1" dirty="0"/>
-              <a:t>Cochrane Library</a:t>
-            </a:r>
-            <a:r>
-              <a:rPr lang="en-US" altLang="zh-TW" dirty="0"/>
-              <a:t>: (Estrogens OR Estrogen) AND ("Immune System Diseases" OR "Autoimmune diseases" OR lupus OR SLE </a:t>
-            </a:r>
+          <a:bodyPr/>
+          <a:lstStyle/>
+          <a:p>
             <a:r>
               <a:rPr lang="en-US" altLang="zh-TW" dirty="0" smtClean="0"/>
-              <a:t>OR RA OR “rheumatoid arthritis” OR </a:t>
-            </a:r>
-            <a:r>
-              <a:rPr lang="en-US" altLang="zh-TW" dirty="0"/>
-              <a:t>MS OR “multiple sclerosis” OR “GPA” OR “</a:t>
-            </a:r>
-            <a:r>
-              <a:rPr lang="en-US" altLang="zh-TW" dirty="0" err="1"/>
-              <a:t>granulomatosis</a:t>
-            </a:r>
-            <a:r>
-              <a:rPr lang="en-US" altLang="zh-TW" dirty="0"/>
-              <a:t> with </a:t>
-            </a:r>
-            <a:r>
-              <a:rPr lang="en-US" altLang="zh-TW" dirty="0" err="1"/>
-              <a:t>polyangiitis</a:t>
-            </a:r>
-            <a:r>
-              <a:rPr lang="en-US" altLang="zh-TW" dirty="0"/>
-              <a:t>” OR Wegener OR Wegener’s OR psoriasis OR </a:t>
-            </a:r>
-            <a:r>
-              <a:rPr lang="en-US" altLang="zh-TW" dirty="0" err="1"/>
-              <a:t>Sjogren</a:t>
-            </a:r>
-            <a:r>
-              <a:rPr lang="en-US" altLang="zh-TW" dirty="0"/>
-              <a:t> OR </a:t>
-            </a:r>
-            <a:r>
-              <a:rPr lang="en-US" altLang="zh-TW" dirty="0" err="1"/>
-              <a:t>Sjögren</a:t>
-            </a:r>
-            <a:r>
-              <a:rPr lang="en-US" altLang="zh-TW" dirty="0"/>
-              <a:t> OR </a:t>
-            </a:r>
-            <a:r>
-              <a:rPr lang="en-US" altLang="zh-TW" dirty="0" err="1"/>
-              <a:t>Sjogren’s</a:t>
-            </a:r>
-            <a:r>
-              <a:rPr lang="en-US" altLang="zh-TW" dirty="0"/>
-              <a:t> OR </a:t>
-            </a:r>
-            <a:r>
-              <a:rPr lang="en-US" altLang="zh-TW" dirty="0" err="1"/>
-              <a:t>Sjögren’s</a:t>
-            </a:r>
-            <a:r>
-              <a:rPr lang="en-US" altLang="zh-TW" dirty="0"/>
-              <a:t> OR allergy OR allergies) AND ("Hormone Therapy" OR Prevention)      </a:t>
-            </a:r>
-            <a:endParaRPr lang="zh-TW" altLang="zh-TW" dirty="0"/>
-          </a:p>
-          <a:p>
-            <a:pPr lvl="1"/>
-            <a:r>
-              <a:rPr lang="en-US" altLang="zh-TW" dirty="0"/>
-              <a:t>with Cochrane Library publication date from Jan 2015 to present, (Word variations have been searched)</a:t>
-            </a:r>
-            <a:endParaRPr lang="zh-TW" altLang="zh-TW" dirty="0"/>
-          </a:p>
-          <a:p>
-            <a:pPr lvl="1"/>
-            <a:r>
-              <a:rPr lang="en-US" altLang="zh-TW" dirty="0"/>
-              <a:t>4 Cochrane Reviews: </a:t>
-            </a:r>
-            <a:r>
-              <a:rPr lang="en-US" altLang="zh-TW" dirty="0">
-                <a:solidFill>
-                  <a:srgbClr val="0070C0"/>
-                </a:solidFill>
-              </a:rPr>
-              <a:t>citation-export (Cochrane Review).</a:t>
-            </a:r>
-            <a:r>
-              <a:rPr lang="en-US" altLang="zh-TW" dirty="0" err="1">
-                <a:solidFill>
-                  <a:srgbClr val="0070C0"/>
-                </a:solidFill>
-              </a:rPr>
-              <a:t>ris</a:t>
-            </a:r>
-            <a:endParaRPr lang="zh-TW" altLang="zh-TW" dirty="0">
-              <a:solidFill>
-                <a:srgbClr val="0070C0"/>
-              </a:solidFill>
-            </a:endParaRPr>
-          </a:p>
-          <a:p>
-            <a:pPr lvl="1"/>
-            <a:r>
-              <a:rPr lang="en-US" altLang="zh-TW" dirty="0"/>
-              <a:t>7</a:t>
-            </a:r>
-            <a:r>
-              <a:rPr lang="en-US" altLang="zh-TW" dirty="0" smtClean="0"/>
-              <a:t>8 Trials: </a:t>
-            </a:r>
-            <a:r>
-              <a:rPr lang="en-US" altLang="zh-TW" dirty="0">
-                <a:solidFill>
-                  <a:srgbClr val="0070C0"/>
-                </a:solidFill>
-              </a:rPr>
-              <a:t>citation-exports(</a:t>
-            </a:r>
-            <a:r>
-              <a:rPr lang="en-US" altLang="zh-TW" dirty="0" err="1">
-                <a:solidFill>
-                  <a:srgbClr val="0070C0"/>
-                </a:solidFill>
-              </a:rPr>
-              <a:t>CochraneTrials</a:t>
-            </a:r>
-            <a:r>
-              <a:rPr lang="en-US" altLang="zh-TW" dirty="0">
-                <a:solidFill>
-                  <a:srgbClr val="0070C0"/>
-                </a:solidFill>
-              </a:rPr>
-              <a:t>).</a:t>
-            </a:r>
-            <a:r>
-              <a:rPr lang="en-US" altLang="zh-TW" dirty="0" err="1">
-                <a:solidFill>
-                  <a:srgbClr val="0070C0"/>
-                </a:solidFill>
-              </a:rPr>
-              <a:t>ris</a:t>
-            </a:r>
-            <a:endParaRPr lang="en-US" altLang="zh-TW" dirty="0" smtClean="0">
-              <a:solidFill>
-                <a:srgbClr val="0070C0"/>
-              </a:solidFill>
-            </a:endParaRPr>
-          </a:p>
-          <a:p>
-            <a:r>
-              <a:rPr lang="en-US" altLang="zh-TW" b="1" dirty="0"/>
-              <a:t>0</a:t>
-            </a:r>
-            <a:r>
-              <a:rPr lang="en-US" altLang="zh-TW" dirty="0"/>
-              <a:t> results matching </a:t>
-            </a:r>
-            <a:r>
-              <a:rPr lang="en-US" altLang="zh-TW" b="1" dirty="0"/>
-              <a:t>'</a:t>
-            </a:r>
-            <a:r>
-              <a:rPr lang="en-US" altLang="zh-TW" b="1" u="sng" dirty="0"/>
-              <a:t>Intervention</a:t>
-            </a:r>
-            <a:r>
-              <a:rPr lang="en-US" altLang="zh-TW" b="1" dirty="0"/>
-              <a:t> "Estrogens" AND </a:t>
-            </a:r>
-            <a:r>
-              <a:rPr lang="en-US" altLang="zh-TW" b="1" u="sng" dirty="0"/>
-              <a:t>Outcome</a:t>
-            </a:r>
-            <a:r>
-              <a:rPr lang="en-US" altLang="zh-TW" b="1" dirty="0"/>
-              <a:t> ( "Autoimmune Disease" OR "Lupus </a:t>
-            </a:r>
-            <a:r>
-              <a:rPr lang="en-US" altLang="zh-TW" b="1" dirty="0" err="1"/>
-              <a:t>Erythematosus</a:t>
-            </a:r>
-            <a:r>
-              <a:rPr lang="en-US" altLang="zh-TW" b="1" dirty="0"/>
-              <a:t>" OR "Multiple Sclerosis" OR "Rheumatoid Arthritis</a:t>
-            </a:r>
-            <a:r>
-              <a:rPr lang="en-US" altLang="zh-TW" b="1" dirty="0" smtClean="0"/>
-              <a:t>")'</a:t>
-            </a:r>
-            <a:endParaRPr lang="en-US" altLang="zh-TW" dirty="0" smtClean="0"/>
+              <a:t>?</a:t>
+            </a:r>
+            <a:endParaRPr lang="zh-TW" altLang="en-US" dirty="0"/>
           </a:p>
         </p:txBody>
       </p:sp>
     </p:spTree>
     <p:extLst>
       <p:ext uri="{BB962C8B-B14F-4D97-AF65-F5344CB8AC3E}">
-        <p14:creationId xmlns:p14="http://schemas.microsoft.com/office/powerpoint/2010/main" val="1641761449"/>
+        <p14:creationId xmlns:p14="http://schemas.microsoft.com/office/powerpoint/2010/main" val="1138719741"/>
       </p:ext>
     </p:extLst>
   </p:cSld>

--- a/Estrogen as an immunomodulator for multiple sclerosis.pptx
+++ b/Estrogen as an immunomodulator for multiple sclerosis.pptx
@@ -255,7 +255,7 @@
           <a:p>
             <a:fld id="{7283683F-B03E-4209-A61D-596B1E8CE257}" type="datetimeFigureOut">
               <a:rPr lang="zh-TW" altLang="en-US" smtClean="0"/>
-              <a:t>2024/12/18</a:t>
+              <a:t>2025/1/30</a:t>
             </a:fld>
             <a:endParaRPr lang="zh-TW" altLang="en-US"/>
           </a:p>
@@ -425,7 +425,7 @@
           <a:p>
             <a:fld id="{7283683F-B03E-4209-A61D-596B1E8CE257}" type="datetimeFigureOut">
               <a:rPr lang="zh-TW" altLang="en-US" smtClean="0"/>
-              <a:t>2024/12/18</a:t>
+              <a:t>2025/1/30</a:t>
             </a:fld>
             <a:endParaRPr lang="zh-TW" altLang="en-US"/>
           </a:p>
@@ -605,7 +605,7 @@
           <a:p>
             <a:fld id="{7283683F-B03E-4209-A61D-596B1E8CE257}" type="datetimeFigureOut">
               <a:rPr lang="zh-TW" altLang="en-US" smtClean="0"/>
-              <a:t>2024/12/18</a:t>
+              <a:t>2025/1/30</a:t>
             </a:fld>
             <a:endParaRPr lang="zh-TW" altLang="en-US"/>
           </a:p>
@@ -775,7 +775,7 @@
           <a:p>
             <a:fld id="{7283683F-B03E-4209-A61D-596B1E8CE257}" type="datetimeFigureOut">
               <a:rPr lang="zh-TW" altLang="en-US" smtClean="0"/>
-              <a:t>2024/12/18</a:t>
+              <a:t>2025/1/30</a:t>
             </a:fld>
             <a:endParaRPr lang="zh-TW" altLang="en-US"/>
           </a:p>
@@ -1021,7 +1021,7 @@
           <a:p>
             <a:fld id="{7283683F-B03E-4209-A61D-596B1E8CE257}" type="datetimeFigureOut">
               <a:rPr lang="zh-TW" altLang="en-US" smtClean="0"/>
-              <a:t>2024/12/18</a:t>
+              <a:t>2025/1/30</a:t>
             </a:fld>
             <a:endParaRPr lang="zh-TW" altLang="en-US"/>
           </a:p>
@@ -1253,7 +1253,7 @@
           <a:p>
             <a:fld id="{7283683F-B03E-4209-A61D-596B1E8CE257}" type="datetimeFigureOut">
               <a:rPr lang="zh-TW" altLang="en-US" smtClean="0"/>
-              <a:t>2024/12/18</a:t>
+              <a:t>2025/1/30</a:t>
             </a:fld>
             <a:endParaRPr lang="zh-TW" altLang="en-US"/>
           </a:p>
@@ -1620,7 +1620,7 @@
           <a:p>
             <a:fld id="{7283683F-B03E-4209-A61D-596B1E8CE257}" type="datetimeFigureOut">
               <a:rPr lang="zh-TW" altLang="en-US" smtClean="0"/>
-              <a:t>2024/12/18</a:t>
+              <a:t>2025/1/30</a:t>
             </a:fld>
             <a:endParaRPr lang="zh-TW" altLang="en-US"/>
           </a:p>
@@ -1738,7 +1738,7 @@
           <a:p>
             <a:fld id="{7283683F-B03E-4209-A61D-596B1E8CE257}" type="datetimeFigureOut">
               <a:rPr lang="zh-TW" altLang="en-US" smtClean="0"/>
-              <a:t>2024/12/18</a:t>
+              <a:t>2025/1/30</a:t>
             </a:fld>
             <a:endParaRPr lang="zh-TW" altLang="en-US"/>
           </a:p>
@@ -1833,7 +1833,7 @@
           <a:p>
             <a:fld id="{7283683F-B03E-4209-A61D-596B1E8CE257}" type="datetimeFigureOut">
               <a:rPr lang="zh-TW" altLang="en-US" smtClean="0"/>
-              <a:t>2024/12/18</a:t>
+              <a:t>2025/1/30</a:t>
             </a:fld>
             <a:endParaRPr lang="zh-TW" altLang="en-US"/>
           </a:p>
@@ -2110,7 +2110,7 @@
           <a:p>
             <a:fld id="{7283683F-B03E-4209-A61D-596B1E8CE257}" type="datetimeFigureOut">
               <a:rPr lang="zh-TW" altLang="en-US" smtClean="0"/>
-              <a:t>2024/12/18</a:t>
+              <a:t>2025/1/30</a:t>
             </a:fld>
             <a:endParaRPr lang="zh-TW" altLang="en-US"/>
           </a:p>
@@ -2363,7 +2363,7 @@
           <a:p>
             <a:fld id="{7283683F-B03E-4209-A61D-596B1E8CE257}" type="datetimeFigureOut">
               <a:rPr lang="zh-TW" altLang="en-US" smtClean="0"/>
-              <a:t>2024/12/18</a:t>
+              <a:t>2025/1/30</a:t>
             </a:fld>
             <a:endParaRPr lang="zh-TW" altLang="en-US"/>
           </a:p>
@@ -2576,7 +2576,7 @@
           <a:p>
             <a:fld id="{7283683F-B03E-4209-A61D-596B1E8CE257}" type="datetimeFigureOut">
               <a:rPr lang="zh-TW" altLang="en-US" smtClean="0"/>
-              <a:t>2024/12/18</a:t>
+              <a:t>2025/1/30</a:t>
             </a:fld>
             <a:endParaRPr lang="zh-TW" altLang="en-US"/>
           </a:p>
@@ -3016,11 +3016,7 @@
             </a:r>
             <a:r>
               <a:rPr lang="en-US" altLang="zh-TW" dirty="0" smtClean="0"/>
-              <a:t>multiple sclerosis prevention</a:t>
-            </a:r>
-            <a:r>
-              <a:rPr lang="en-US" altLang="zh-TW" dirty="0" smtClean="0"/>
-              <a:t>:</a:t>
+              <a:t>multiple sclerosis prevention:</a:t>
             </a:r>
             <a:r>
               <a:rPr lang="zh-TW" altLang="en-US" dirty="0" smtClean="0"/>
@@ -3055,11 +3051,7 @@
             </a:r>
             <a:r>
               <a:rPr lang="en-US" altLang="zh-TW" dirty="0" smtClean="0"/>
-              <a:t>-Ying (Bruce) </a:t>
-            </a:r>
-            <a:r>
-              <a:rPr lang="en-US" altLang="zh-TW" dirty="0" smtClean="0"/>
-              <a:t>Chen</a:t>
+              <a:t>-Ying (Bruce) Chen</a:t>
             </a:r>
           </a:p>
           <a:p>
@@ -3103,7 +3095,6 @@
               <a:rPr lang="en-US" altLang="zh-TW" dirty="0" smtClean="0"/>
               <a:t> </a:t>
             </a:r>
-            <a:endParaRPr lang="en-US" altLang="zh-TW" dirty="0" smtClean="0"/>
           </a:p>
           <a:p>
             <a:r>
@@ -3189,14 +3180,34 @@
           <a:bodyPr/>
           <a:lstStyle/>
           <a:p>
-            <a:r>
-              <a:rPr lang="en-US" altLang="zh-TW" dirty="0" smtClean="0"/>
-              <a:t>?</a:t>
-            </a:r>
             <a:endParaRPr lang="zh-TW" altLang="en-US" dirty="0"/>
           </a:p>
         </p:txBody>
       </p:sp>
+      <p:pic>
+        <p:nvPicPr>
+          <p:cNvPr id="4" name="圖片 3"/>
+          <p:cNvPicPr>
+            <a:picLocks noChangeAspect="1"/>
+          </p:cNvPicPr>
+          <p:nvPr/>
+        </p:nvPicPr>
+        <p:blipFill>
+          <a:blip r:embed="rId2"/>
+          <a:stretch>
+            <a:fillRect/>
+          </a:stretch>
+        </p:blipFill>
+        <p:spPr>
+          <a:xfrm>
+            <a:off x="2078267" y="0"/>
+            <a:ext cx="8579019" cy="6858000"/>
+          </a:xfrm>
+          <a:prstGeom prst="rect">
+            <a:avLst/>
+          </a:prstGeom>
+        </p:spPr>
+      </p:pic>
     </p:spTree>
     <p:extLst>
       <p:ext uri="{BB962C8B-B14F-4D97-AF65-F5344CB8AC3E}">
@@ -4053,11 +4064,7 @@
             </a:r>
             <a:r>
               <a:rPr lang="en-US" altLang="zh-TW" dirty="0"/>
-              <a:t>: </a:t>
-            </a:r>
-            <a:r>
-              <a:rPr lang="en-US" altLang="zh-TW" dirty="0"/>
-              <a:t>("Estrogens"[</a:t>
+              <a:t>: ("Estrogens"[</a:t>
             </a:r>
             <a:r>
               <a:rPr lang="en-US" altLang="zh-TW" dirty="0" err="1"/>
@@ -4085,27 +4092,27 @@
             </a:r>
             <a:r>
               <a:rPr lang="en-US" altLang="zh-TW" dirty="0" smtClean="0"/>
-              <a:t>)</a:t>
-            </a:r>
+              <a:t>)       </a:t>
+            </a:r>
+            <a:endParaRPr lang="zh-TW" altLang="zh-TW" dirty="0"/>
+          </a:p>
+          <a:p>
+            <a:pPr lvl="1"/>
+            <a:r>
+              <a:rPr lang="en-US" altLang="zh-TW" dirty="0"/>
+              <a:t>Filters applied: in the last 10 years.</a:t>
+            </a:r>
+            <a:endParaRPr lang="zh-TW" altLang="zh-TW" dirty="0"/>
+          </a:p>
+          <a:p>
+            <a:pPr lvl="1"/>
             <a:r>
               <a:rPr lang="en-US" altLang="zh-TW" dirty="0" smtClean="0"/>
-              <a:t>       </a:t>
-            </a:r>
-            <a:endParaRPr lang="zh-TW" altLang="zh-TW" dirty="0"/>
-          </a:p>
-          <a:p>
-            <a:pPr lvl="1"/>
-            <a:r>
-              <a:rPr lang="en-US" altLang="zh-TW" dirty="0"/>
-              <a:t>Filters applied: in the last 10 years.</a:t>
-            </a:r>
-            <a:endParaRPr lang="zh-TW" altLang="zh-TW" dirty="0"/>
-          </a:p>
-          <a:p>
-            <a:pPr lvl="1"/>
+              <a:t>349</a:t>
+            </a:r>
             <a:r>
               <a:rPr lang="en-US" altLang="zh-TW" dirty="0" smtClean="0"/>
-              <a:t>? </a:t>
+              <a:t> </a:t>
             </a:r>
             <a:r>
               <a:rPr lang="en-US" altLang="zh-TW" dirty="0"/>
@@ -4141,10 +4148,34 @@
                   <a:srgbClr val="0070C0"/>
                 </a:solidFill>
               </a:rPr>
-              <a:t>-set (PubMed).</a:t>
-            </a:r>
-            <a:r>
-              <a:rPr lang="en-US" altLang="zh-TW" dirty="0" err="1">
+              <a:t>-set (PubMed</a:t>
+            </a:r>
+            <a:r>
+              <a:rPr lang="en-US" altLang="zh-TW" dirty="0" smtClean="0">
+                <a:solidFill>
+                  <a:srgbClr val="0070C0"/>
+                </a:solidFill>
+              </a:rPr>
+              <a:t>)</a:t>
+            </a:r>
+            <a:r>
+              <a:rPr lang="zh-TW" altLang="en-US" dirty="0" smtClean="0">
+                <a:solidFill>
+                  <a:srgbClr val="0070C0"/>
+                </a:solidFill>
+              </a:rPr>
+              <a:t> </a:t>
+            </a:r>
+            <a:r>
+              <a:rPr lang="en-US" altLang="zh-TW" dirty="0" smtClean="0">
+                <a:solidFill>
+                  <a:srgbClr val="0070C0"/>
+                </a:solidFill>
+              </a:rPr>
+              <a:t>(2).</a:t>
+            </a:r>
+            <a:r>
+              <a:rPr lang="en-US" altLang="zh-TW" dirty="0" err="1" smtClean="0">
                 <a:solidFill>
                   <a:srgbClr val="0070C0"/>
                 </a:solidFill>
@@ -4234,14 +4265,34 @@
           <a:bodyPr/>
           <a:lstStyle/>
           <a:p>
-            <a:r>
-              <a:rPr lang="en-US" altLang="zh-TW" dirty="0" smtClean="0"/>
-              <a:t>?</a:t>
-            </a:r>
             <a:endParaRPr lang="zh-TW" altLang="en-US" dirty="0"/>
           </a:p>
         </p:txBody>
       </p:sp>
+      <p:pic>
+        <p:nvPicPr>
+          <p:cNvPr id="4" name="圖片 3"/>
+          <p:cNvPicPr>
+            <a:picLocks noChangeAspect="1"/>
+          </p:cNvPicPr>
+          <p:nvPr/>
+        </p:nvPicPr>
+        <p:blipFill>
+          <a:blip r:embed="rId2"/>
+          <a:stretch>
+            <a:fillRect/>
+          </a:stretch>
+        </p:blipFill>
+        <p:spPr>
+          <a:xfrm>
+            <a:off x="2861961" y="0"/>
+            <a:ext cx="6997170" cy="6858000"/>
+          </a:xfrm>
+          <a:prstGeom prst="rect">
+            <a:avLst/>
+          </a:prstGeom>
+        </p:spPr>
+      </p:pic>
     </p:spTree>
     <p:extLst>
       <p:ext uri="{BB962C8B-B14F-4D97-AF65-F5344CB8AC3E}">
@@ -4391,11 +4442,7 @@
             <a:pPr lvl="1"/>
             <a:r>
               <a:rPr lang="en-US" altLang="zh-TW" dirty="0" smtClean="0"/>
-              <a:t>? </a:t>
-            </a:r>
-            <a:r>
-              <a:rPr lang="en-US" altLang="zh-TW" dirty="0" smtClean="0"/>
-              <a:t>results:</a:t>
+              <a:t>? results:</a:t>
             </a:r>
             <a:r>
               <a:rPr lang="zh-TW" altLang="en-US" dirty="0" smtClean="0"/>
@@ -4644,7 +4691,7 @@
             <a:pPr lvl="1"/>
             <a:r>
               <a:rPr lang="en-US" altLang="zh-TW" dirty="0"/>
-              <a:t>?</a:t>
+              <a:t>1</a:t>
             </a:r>
             <a:r>
               <a:rPr lang="en-US" altLang="zh-TW" dirty="0" smtClean="0"/>
@@ -4660,10 +4707,18 @@
                   <a:srgbClr val="0070C0"/>
                 </a:solidFill>
               </a:rPr>
-              <a:t>citation-export (Cochrane Review).</a:t>
-            </a:r>
-            <a:r>
-              <a:rPr lang="en-US" altLang="zh-TW" dirty="0" err="1">
+              <a:t>citation-export (Cochrane Review</a:t>
+            </a:r>
+            <a:r>
+              <a:rPr lang="en-US" altLang="zh-TW" dirty="0" smtClean="0">
+                <a:solidFill>
+                  <a:srgbClr val="0070C0"/>
+                </a:solidFill>
+              </a:rPr>
+              <a:t>) (2).</a:t>
+            </a:r>
+            <a:r>
+              <a:rPr lang="en-US" altLang="zh-TW" dirty="0" err="1" smtClean="0">
                 <a:solidFill>
                   <a:srgbClr val="0070C0"/>
                 </a:solidFill>
@@ -4679,8 +4734,8 @@
           <a:p>
             <a:pPr lvl="1"/>
             <a:r>
-              <a:rPr lang="en-US" altLang="zh-TW" dirty="0"/>
-              <a:t>?</a:t>
+              <a:rPr lang="en-US" altLang="zh-TW" dirty="0" smtClean="0"/>
+              <a:t>41</a:t>
             </a:r>
             <a:r>
               <a:rPr lang="en-US" altLang="zh-TW" dirty="0" smtClean="0"/>
@@ -4707,15 +4762,15 @@
               <a:t>CochraneTrials</a:t>
             </a:r>
             <a:r>
-              <a:rPr lang="en-US" altLang="zh-TW" dirty="0">
+              <a:rPr lang="en-US" altLang="zh-TW" dirty="0" smtClean="0">
                 <a:solidFill>
                   <a:srgbClr val="0070C0"/>
                 </a:solidFill>
               </a:rPr>
-              <a:t>).</a:t>
-            </a:r>
-            <a:r>
-              <a:rPr lang="en-US" altLang="zh-TW" dirty="0" err="1">
+              <a:t>) (2).</a:t>
+            </a:r>
+            <a:r>
+              <a:rPr lang="en-US" altLang="zh-TW" dirty="0" err="1" smtClean="0">
                 <a:solidFill>
                   <a:srgbClr val="0070C0"/>
                 </a:solidFill>
@@ -4856,6 +4911,30 @@
           </a:p>
         </p:txBody>
       </p:sp>
+      <p:pic>
+        <p:nvPicPr>
+          <p:cNvPr id="4" name="圖片 3"/>
+          <p:cNvPicPr>
+            <a:picLocks noChangeAspect="1"/>
+          </p:cNvPicPr>
+          <p:nvPr/>
+        </p:nvPicPr>
+        <p:blipFill>
+          <a:blip r:embed="rId2"/>
+          <a:stretch>
+            <a:fillRect/>
+          </a:stretch>
+        </p:blipFill>
+        <p:spPr>
+          <a:xfrm>
+            <a:off x="776287" y="1266825"/>
+            <a:ext cx="10639425" cy="5591175"/>
+          </a:xfrm>
+          <a:prstGeom prst="rect">
+            <a:avLst/>
+          </a:prstGeom>
+        </p:spPr>
+      </p:pic>
     </p:spTree>
     <p:extLst>
       <p:ext uri="{BB962C8B-B14F-4D97-AF65-F5344CB8AC3E}">

--- a/Estrogen as an immunomodulator for multiple sclerosis.pptx
+++ b/Estrogen as an immunomodulator for multiple sclerosis.pptx
@@ -4746,12 +4746,12 @@
               <a:t>Trials: </a:t>
             </a:r>
             <a:r>
-              <a:rPr lang="en-US" altLang="zh-TW" dirty="0">
+              <a:rPr lang="en-US" altLang="zh-TW" dirty="0" smtClean="0">
                 <a:solidFill>
                   <a:srgbClr val="0070C0"/>
                 </a:solidFill>
               </a:rPr>
-              <a:t>citation-exports(</a:t>
+              <a:t>citation-exports (</a:t>
             </a:r>
             <a:r>
               <a:rPr lang="en-US" altLang="zh-TW" dirty="0" err="1">
@@ -4762,12 +4762,12 @@
               <a:t>CochraneTrials</a:t>
             </a:r>
             <a:r>
-              <a:rPr lang="en-US" altLang="zh-TW" dirty="0" smtClean="0">
+              <a:rPr lang="en-US" altLang="zh-TW" smtClean="0">
                 <a:solidFill>
                   <a:srgbClr val="0070C0"/>
                 </a:solidFill>
               </a:rPr>
-              <a:t>) (2).</a:t>
+              <a:t>).</a:t>
             </a:r>
             <a:r>
               <a:rPr lang="en-US" altLang="zh-TW" dirty="0" err="1" smtClean="0">

--- a/Estrogen as an immunomodulator for multiple sclerosis.pptx
+++ b/Estrogen as an immunomodulator for multiple sclerosis.pptx
@@ -17,7 +17,8 @@
     <p:sldId id="266" r:id="rId11"/>
     <p:sldId id="261" r:id="rId12"/>
     <p:sldId id="264" r:id="rId13"/>
-    <p:sldId id="269" r:id="rId14"/>
+    <p:sldId id="270" r:id="rId14"/>
+    <p:sldId id="269" r:id="rId15"/>
   </p:sldIdLst>
   <p:sldSz cx="12192000" cy="6858000"/>
   <p:notesSz cx="6858000" cy="9144000"/>
@@ -3321,8 +3322,8 @@
           <a:p>
             <a:pPr lvl="1"/>
             <a:r>
-              <a:rPr lang="en-US" altLang="zh-TW" dirty="0"/>
-              <a:t>?</a:t>
+              <a:rPr lang="en-US" altLang="zh-TW" dirty="0" smtClean="0"/>
+              <a:t>164</a:t>
             </a:r>
             <a:r>
               <a:rPr lang="en-US" altLang="zh-TW" dirty="0" smtClean="0"/>
@@ -3346,10 +3347,18 @@
                   <a:srgbClr val="0070C0"/>
                 </a:solidFill>
               </a:rPr>
-              <a:t> (Web of Science).</a:t>
-            </a:r>
-            <a:r>
-              <a:rPr lang="en-US" altLang="zh-TW" dirty="0" err="1">
+              <a:t> (Web of Science</a:t>
+            </a:r>
+            <a:r>
+              <a:rPr lang="en-US" altLang="zh-TW" dirty="0" smtClean="0">
+                <a:solidFill>
+                  <a:srgbClr val="0070C0"/>
+                </a:solidFill>
+              </a:rPr>
+              <a:t>) (2).</a:t>
+            </a:r>
+            <a:r>
+              <a:rPr lang="en-US" altLang="zh-TW" dirty="0" err="1" smtClean="0">
                 <a:solidFill>
                   <a:srgbClr val="0070C0"/>
                 </a:solidFill>
@@ -3439,14 +3448,34 @@
           <a:bodyPr/>
           <a:lstStyle/>
           <a:p>
-            <a:r>
-              <a:rPr lang="en-US" altLang="zh-TW" dirty="0" smtClean="0"/>
-              <a:t>?</a:t>
-            </a:r>
             <a:endParaRPr lang="zh-TW" altLang="en-US" dirty="0"/>
           </a:p>
         </p:txBody>
       </p:sp>
+      <p:pic>
+        <p:nvPicPr>
+          <p:cNvPr id="4" name="圖片 3"/>
+          <p:cNvPicPr>
+            <a:picLocks noChangeAspect="1"/>
+          </p:cNvPicPr>
+          <p:nvPr/>
+        </p:nvPicPr>
+        <p:blipFill>
+          <a:blip r:embed="rId2"/>
+          <a:stretch>
+            <a:fillRect/>
+          </a:stretch>
+        </p:blipFill>
+        <p:spPr>
+          <a:xfrm>
+            <a:off x="3059584" y="1222063"/>
+            <a:ext cx="6072832" cy="5635937"/>
+          </a:xfrm>
+          <a:prstGeom prst="rect">
+            <a:avLst/>
+          </a:prstGeom>
+        </p:spPr>
+      </p:pic>
     </p:spTree>
     <p:extLst>
       <p:ext uri="{BB962C8B-B14F-4D97-AF65-F5344CB8AC3E}">
@@ -3468,6 +3497,78 @@
 </file>
 
 <file path=ppt/slides/slide13.xml><?xml version="1.0" encoding="utf-8"?>
+<p:sld xmlns:a="http://schemas.openxmlformats.org/drawingml/2006/main" xmlns:r="http://schemas.openxmlformats.org/officeDocument/2006/relationships" xmlns:p="http://schemas.openxmlformats.org/presentationml/2006/main">
+  <p:cSld>
+    <p:spTree>
+      <p:nvGrpSpPr>
+        <p:cNvPr id="1" name=""/>
+        <p:cNvGrpSpPr/>
+        <p:nvPr/>
+      </p:nvGrpSpPr>
+      <p:grpSpPr>
+        <a:xfrm>
+          <a:off x="0" y="0"/>
+          <a:ext cx="0" cy="0"/>
+          <a:chOff x="0" y="0"/>
+          <a:chExt cx="0" cy="0"/>
+        </a:xfrm>
+      </p:grpSpPr>
+      <p:sp>
+        <p:nvSpPr>
+          <p:cNvPr id="2" name="標題 1"/>
+          <p:cNvSpPr>
+            <a:spLocks noGrp="1"/>
+          </p:cNvSpPr>
+          <p:nvPr>
+            <p:ph type="title"/>
+          </p:nvPr>
+        </p:nvSpPr>
+        <p:spPr/>
+        <p:txBody>
+          <a:bodyPr/>
+          <a:lstStyle/>
+          <a:p>
+            <a:r>
+              <a:rPr lang="en-US" altLang="zh-TW" dirty="0" smtClean="0"/>
+              <a:t>Scopus</a:t>
+            </a:r>
+            <a:endParaRPr lang="zh-TW" altLang="en-US" dirty="0"/>
+          </a:p>
+        </p:txBody>
+      </p:sp>
+      <p:sp>
+        <p:nvSpPr>
+          <p:cNvPr id="3" name="內容版面配置區 2"/>
+          <p:cNvSpPr>
+            <a:spLocks noGrp="1"/>
+          </p:cNvSpPr>
+          <p:nvPr>
+            <p:ph idx="1"/>
+          </p:nvPr>
+        </p:nvSpPr>
+        <p:spPr/>
+        <p:txBody>
+          <a:bodyPr/>
+          <a:lstStyle/>
+          <a:p>
+            <a:endParaRPr lang="zh-TW" altLang="en-US"/>
+          </a:p>
+        </p:txBody>
+      </p:sp>
+    </p:spTree>
+    <p:extLst>
+      <p:ext uri="{BB962C8B-B14F-4D97-AF65-F5344CB8AC3E}">
+        <p14:creationId xmlns:p14="http://schemas.microsoft.com/office/powerpoint/2010/main" val="1935761256"/>
+      </p:ext>
+    </p:extLst>
+  </p:cSld>
+  <p:clrMapOvr>
+    <a:masterClrMapping/>
+  </p:clrMapOvr>
+</p:sld>
+</file>
+
+<file path=ppt/slides/slide14.xml><?xml version="1.0" encoding="utf-8"?>
 <p:sld xmlns:a="http://schemas.openxmlformats.org/drawingml/2006/main" xmlns:r="http://schemas.openxmlformats.org/officeDocument/2006/relationships" xmlns:p="http://schemas.openxmlformats.org/presentationml/2006/main">
   <p:cSld>
     <p:spTree>
@@ -4762,7 +4863,7 @@
               <a:t>CochraneTrials</a:t>
             </a:r>
             <a:r>
-              <a:rPr lang="en-US" altLang="zh-TW" smtClean="0">
+              <a:rPr lang="en-US" altLang="zh-TW" dirty="0" smtClean="0">
                 <a:solidFill>
                   <a:srgbClr val="0070C0"/>
                 </a:solidFill>

--- a/Estrogen as an immunomodulator for multiple sclerosis.pptx
+++ b/Estrogen as an immunomodulator for multiple sclerosis.pptx
@@ -119,7 +119,7 @@
   </p:defaultTextStyle>
   <p:extLst>
     <p:ext uri="{EFAFB233-063F-42B5-8137-9DF3F51BA10A}">
-      <p15:sldGuideLst xmlns:p15="http://schemas.microsoft.com/office/powerpoint/2012/main"/>
+      <p15:sldGuideLst xmlns:p15="http://schemas.microsoft.com/office/powerpoint/2012/main" xmlns=""/>
     </p:ext>
   </p:extLst>
 </p:presentation>
@@ -256,7 +256,7 @@
           <a:p>
             <a:fld id="{7283683F-B03E-4209-A61D-596B1E8CE257}" type="datetimeFigureOut">
               <a:rPr lang="zh-TW" altLang="en-US" smtClean="0"/>
-              <a:t>2025/1/30</a:t>
+              <a:t>2025/2/9</a:t>
             </a:fld>
             <a:endParaRPr lang="zh-TW" altLang="en-US"/>
           </a:p>
@@ -426,7 +426,7 @@
           <a:p>
             <a:fld id="{7283683F-B03E-4209-A61D-596B1E8CE257}" type="datetimeFigureOut">
               <a:rPr lang="zh-TW" altLang="en-US" smtClean="0"/>
-              <a:t>2025/1/30</a:t>
+              <a:t>2025/2/9</a:t>
             </a:fld>
             <a:endParaRPr lang="zh-TW" altLang="en-US"/>
           </a:p>
@@ -606,7 +606,7 @@
           <a:p>
             <a:fld id="{7283683F-B03E-4209-A61D-596B1E8CE257}" type="datetimeFigureOut">
               <a:rPr lang="zh-TW" altLang="en-US" smtClean="0"/>
-              <a:t>2025/1/30</a:t>
+              <a:t>2025/2/9</a:t>
             </a:fld>
             <a:endParaRPr lang="zh-TW" altLang="en-US"/>
           </a:p>
@@ -776,7 +776,7 @@
           <a:p>
             <a:fld id="{7283683F-B03E-4209-A61D-596B1E8CE257}" type="datetimeFigureOut">
               <a:rPr lang="zh-TW" altLang="en-US" smtClean="0"/>
-              <a:t>2025/1/30</a:t>
+              <a:t>2025/2/9</a:t>
             </a:fld>
             <a:endParaRPr lang="zh-TW" altLang="en-US"/>
           </a:p>
@@ -1022,7 +1022,7 @@
           <a:p>
             <a:fld id="{7283683F-B03E-4209-A61D-596B1E8CE257}" type="datetimeFigureOut">
               <a:rPr lang="zh-TW" altLang="en-US" smtClean="0"/>
-              <a:t>2025/1/30</a:t>
+              <a:t>2025/2/9</a:t>
             </a:fld>
             <a:endParaRPr lang="zh-TW" altLang="en-US"/>
           </a:p>
@@ -1254,7 +1254,7 @@
           <a:p>
             <a:fld id="{7283683F-B03E-4209-A61D-596B1E8CE257}" type="datetimeFigureOut">
               <a:rPr lang="zh-TW" altLang="en-US" smtClean="0"/>
-              <a:t>2025/1/30</a:t>
+              <a:t>2025/2/9</a:t>
             </a:fld>
             <a:endParaRPr lang="zh-TW" altLang="en-US"/>
           </a:p>
@@ -1621,7 +1621,7 @@
           <a:p>
             <a:fld id="{7283683F-B03E-4209-A61D-596B1E8CE257}" type="datetimeFigureOut">
               <a:rPr lang="zh-TW" altLang="en-US" smtClean="0"/>
-              <a:t>2025/1/30</a:t>
+              <a:t>2025/2/9</a:t>
             </a:fld>
             <a:endParaRPr lang="zh-TW" altLang="en-US"/>
           </a:p>
@@ -1739,7 +1739,7 @@
           <a:p>
             <a:fld id="{7283683F-B03E-4209-A61D-596B1E8CE257}" type="datetimeFigureOut">
               <a:rPr lang="zh-TW" altLang="en-US" smtClean="0"/>
-              <a:t>2025/1/30</a:t>
+              <a:t>2025/2/9</a:t>
             </a:fld>
             <a:endParaRPr lang="zh-TW" altLang="en-US"/>
           </a:p>
@@ -1834,7 +1834,7 @@
           <a:p>
             <a:fld id="{7283683F-B03E-4209-A61D-596B1E8CE257}" type="datetimeFigureOut">
               <a:rPr lang="zh-TW" altLang="en-US" smtClean="0"/>
-              <a:t>2025/1/30</a:t>
+              <a:t>2025/2/9</a:t>
             </a:fld>
             <a:endParaRPr lang="zh-TW" altLang="en-US"/>
           </a:p>
@@ -2111,7 +2111,7 @@
           <a:p>
             <a:fld id="{7283683F-B03E-4209-A61D-596B1E8CE257}" type="datetimeFigureOut">
               <a:rPr lang="zh-TW" altLang="en-US" smtClean="0"/>
-              <a:t>2025/1/30</a:t>
+              <a:t>2025/2/9</a:t>
             </a:fld>
             <a:endParaRPr lang="zh-TW" altLang="en-US"/>
           </a:p>
@@ -2364,7 +2364,7 @@
           <a:p>
             <a:fld id="{7283683F-B03E-4209-A61D-596B1E8CE257}" type="datetimeFigureOut">
               <a:rPr lang="zh-TW" altLang="en-US" smtClean="0"/>
-              <a:t>2025/1/30</a:t>
+              <a:t>2025/2/9</a:t>
             </a:fld>
             <a:endParaRPr lang="zh-TW" altLang="en-US"/>
           </a:p>
@@ -2577,7 +2577,7 @@
           <a:p>
             <a:fld id="{7283683F-B03E-4209-A61D-596B1E8CE257}" type="datetimeFigureOut">
               <a:rPr lang="zh-TW" altLang="en-US" smtClean="0"/>
-              <a:t>2025/1/30</a:t>
+              <a:t>2025/2/9</a:t>
             </a:fld>
             <a:endParaRPr lang="zh-TW" altLang="en-US"/>
           </a:p>
@@ -3093,9 +3093,18 @@
               <a:t>Hala</a:t>
             </a:r>
             <a:r>
+              <a:rPr lang="zh-TW" altLang="en-US" dirty="0" smtClean="0"/>
+              <a:t> </a:t>
+            </a:r>
+            <a:r>
+              <a:rPr lang="en-US" altLang="zh-TW" dirty="0" err="1" smtClean="0"/>
+              <a:t>Nasar</a:t>
+            </a:r>
+            <a:r>
               <a:rPr lang="en-US" altLang="zh-TW" dirty="0" smtClean="0"/>
               <a:t> </a:t>
             </a:r>
+            <a:endParaRPr lang="en-US" altLang="zh-TW" dirty="0" smtClean="0"/>
           </a:p>
           <a:p>
             <a:r>
@@ -3323,11 +3332,7 @@
             <a:pPr lvl="1"/>
             <a:r>
               <a:rPr lang="en-US" altLang="zh-TW" dirty="0" smtClean="0"/>
-              <a:t>164</a:t>
-            </a:r>
-            <a:r>
-              <a:rPr lang="en-US" altLang="zh-TW" dirty="0" smtClean="0"/>
-              <a:t> </a:t>
+              <a:t>164 </a:t>
             </a:r>
             <a:r>
               <a:rPr lang="en-US" altLang="zh-TW" dirty="0"/>
@@ -4209,11 +4214,7 @@
             <a:pPr lvl="1"/>
             <a:r>
               <a:rPr lang="en-US" altLang="zh-TW" dirty="0" smtClean="0"/>
-              <a:t>349</a:t>
-            </a:r>
-            <a:r>
-              <a:rPr lang="en-US" altLang="zh-TW" dirty="0" smtClean="0"/>
-              <a:t> </a:t>
+              <a:t>349 </a:t>
             </a:r>
             <a:r>
               <a:rPr lang="en-US" altLang="zh-TW" dirty="0"/>
@@ -4836,15 +4837,7 @@
             <a:pPr lvl="1"/>
             <a:r>
               <a:rPr lang="en-US" altLang="zh-TW" dirty="0" smtClean="0"/>
-              <a:t>41</a:t>
-            </a:r>
-            <a:r>
-              <a:rPr lang="en-US" altLang="zh-TW" dirty="0" smtClean="0"/>
-              <a:t> </a:t>
-            </a:r>
-            <a:r>
-              <a:rPr lang="en-US" altLang="zh-TW" dirty="0" smtClean="0"/>
-              <a:t>Trials: </a:t>
+              <a:t>41 Trials: </a:t>
             </a:r>
             <a:r>
               <a:rPr lang="en-US" altLang="zh-TW" dirty="0" smtClean="0">
@@ -5099,7 +5092,7 @@
     </a:clrScheme>
     <a:fontScheme name="Office">
       <a:majorFont>
-        <a:latin typeface="Calibri Light" panose="020F0302020204030204"/>
+        <a:latin typeface="Calibri Light"/>
         <a:ea typeface=""/>
         <a:cs typeface=""/>
         <a:font script="Jpan" typeface="ＭＳ Ｐゴシック"/>
@@ -5134,7 +5127,7 @@
         <a:font script="Geor" typeface="Sylfaen"/>
       </a:majorFont>
       <a:minorFont>
-        <a:latin typeface="Calibri" panose="020F0502020204030204"/>
+        <a:latin typeface="Calibri"/>
         <a:ea typeface=""/>
         <a:cs typeface=""/>
         <a:font script="Jpan" typeface="ＭＳ Ｐゴシック"/>
@@ -5311,7 +5304,7 @@
   <a:extraClrSchemeLst/>
   <a:extLst>
     <a:ext uri="{05A4C25C-085E-4340-85A3-A5531E510DB2}">
-      <thm15:themeFamily xmlns:thm15="http://schemas.microsoft.com/office/thememl/2012/main" name="Office Theme" id="{62F939B6-93AF-4DB8-9C6B-D6C7DFDC589F}" vid="{4A3C46E8-61CC-4603-A589-7422A47A8E4A}"/>
+      <thm15:themeFamily xmlns:thm15="http://schemas.microsoft.com/office/thememl/2012/main" xmlns="" name="Office Theme" id="{62F939B6-93AF-4DB8-9C6B-D6C7DFDC589F}" vid="{4A3C46E8-61CC-4603-A589-7422A47A8E4A}"/>
     </a:ext>
   </a:extLst>
 </a:theme>
